--- a/Chapter 3/Chapter 3 - Exercises.pptx
+++ b/Chapter 3/Chapter 3 - Exercises.pptx
@@ -10,6 +10,7 @@
     <p:sldId id="258" r:id="rId4"/>
     <p:sldId id="260" r:id="rId5"/>
     <p:sldId id="259" r:id="rId6"/>
+    <p:sldId id="261" r:id="rId7"/>
   </p:sldIdLst>
   <p:sldSz cx="12192000" cy="6858000"/>
   <p:notesSz cx="6858000" cy="9144000"/>
@@ -126,6 +127,326 @@
 
 <file path=ppt/changesInfos/changesInfo1.xml><?xml version="1.0" encoding="utf-8"?>
 <pc:chgInfo xmlns:a="http://schemas.openxmlformats.org/drawingml/2006/main" xmlns:r="http://schemas.openxmlformats.org/officeDocument/2006/relationships" xmlns:ac="http://schemas.microsoft.com/office/drawing/2013/main/command" xmlns:pc="http://schemas.microsoft.com/office/powerpoint/2013/main/command">
+  <pc:docChgLst>
+    <pc:chgData name="Nachai (Fluke) Paramesthanakorn" userId="348aaf9e-50b5-4d18-a5fc-8333da0e2505" providerId="ADAL" clId="{AD3D0764-DDD4-4D2E-9B77-823ED7B50DAB}"/>
+    <pc:docChg chg="undo custSel addSld delSld modSld">
+      <pc:chgData name="Nachai (Fluke) Paramesthanakorn" userId="348aaf9e-50b5-4d18-a5fc-8333da0e2505" providerId="ADAL" clId="{AD3D0764-DDD4-4D2E-9B77-823ED7B50DAB}" dt="2022-06-18T15:18:38.580" v="2196" actId="1076"/>
+      <pc:docMkLst>
+        <pc:docMk/>
+      </pc:docMkLst>
+      <pc:sldChg chg="addSp delSp modSp mod">
+        <pc:chgData name="Nachai (Fluke) Paramesthanakorn" userId="348aaf9e-50b5-4d18-a5fc-8333da0e2505" providerId="ADAL" clId="{AD3D0764-DDD4-4D2E-9B77-823ED7B50DAB}" dt="2022-06-18T14:56:15.575" v="1932" actId="20577"/>
+        <pc:sldMkLst>
+          <pc:docMk/>
+          <pc:sldMk cId="1460320143" sldId="257"/>
+        </pc:sldMkLst>
+        <pc:spChg chg="mod">
+          <ac:chgData name="Nachai (Fluke) Paramesthanakorn" userId="348aaf9e-50b5-4d18-a5fc-8333da0e2505" providerId="ADAL" clId="{AD3D0764-DDD4-4D2E-9B77-823ED7B50DAB}" dt="2022-06-18T14:56:15.575" v="1932" actId="20577"/>
+          <ac:spMkLst>
+            <pc:docMk/>
+            <pc:sldMk cId="1460320143" sldId="257"/>
+            <ac:spMk id="2" creationId="{E6E31280-DB88-FB02-5769-8FBA8CCC36B5}"/>
+          </ac:spMkLst>
+        </pc:spChg>
+        <pc:spChg chg="mod">
+          <ac:chgData name="Nachai (Fluke) Paramesthanakorn" userId="348aaf9e-50b5-4d18-a5fc-8333da0e2505" providerId="ADAL" clId="{AD3D0764-DDD4-4D2E-9B77-823ED7B50DAB}" dt="2022-06-13T10:12:31.084" v="1076" actId="14100"/>
+          <ac:spMkLst>
+            <pc:docMk/>
+            <pc:sldMk cId="1460320143" sldId="257"/>
+            <ac:spMk id="3" creationId="{68256E1D-949E-3034-0D0F-03CFD6421EB2}"/>
+          </ac:spMkLst>
+        </pc:spChg>
+        <pc:spChg chg="del">
+          <ac:chgData name="Nachai (Fluke) Paramesthanakorn" userId="348aaf9e-50b5-4d18-a5fc-8333da0e2505" providerId="ADAL" clId="{AD3D0764-DDD4-4D2E-9B77-823ED7B50DAB}" dt="2022-06-13T09:24:54.113" v="224" actId="478"/>
+          <ac:spMkLst>
+            <pc:docMk/>
+            <pc:sldMk cId="1460320143" sldId="257"/>
+            <ac:spMk id="4" creationId="{73308F2E-3798-FC70-4B71-9E19945AD39C}"/>
+          </ac:spMkLst>
+        </pc:spChg>
+        <pc:spChg chg="del mod">
+          <ac:chgData name="Nachai (Fluke) Paramesthanakorn" userId="348aaf9e-50b5-4d18-a5fc-8333da0e2505" providerId="ADAL" clId="{AD3D0764-DDD4-4D2E-9B77-823ED7B50DAB}" dt="2022-06-13T10:13:13.903" v="1083" actId="478"/>
+          <ac:spMkLst>
+            <pc:docMk/>
+            <pc:sldMk cId="1460320143" sldId="257"/>
+            <ac:spMk id="5" creationId="{3D87C72F-C7D1-9C8C-09FA-5F0824D2B8C8}"/>
+          </ac:spMkLst>
+        </pc:spChg>
+        <pc:spChg chg="add mod">
+          <ac:chgData name="Nachai (Fluke) Paramesthanakorn" userId="348aaf9e-50b5-4d18-a5fc-8333da0e2505" providerId="ADAL" clId="{AD3D0764-DDD4-4D2E-9B77-823ED7B50DAB}" dt="2022-06-13T11:45:57.743" v="1325" actId="1035"/>
+          <ac:spMkLst>
+            <pc:docMk/>
+            <pc:sldMk cId="1460320143" sldId="257"/>
+            <ac:spMk id="7" creationId="{E56C5AF0-C199-3C69-7EED-E3C6C6ADC360}"/>
+          </ac:spMkLst>
+        </pc:spChg>
+        <pc:graphicFrameChg chg="add mod modGraphic">
+          <ac:chgData name="Nachai (Fluke) Paramesthanakorn" userId="348aaf9e-50b5-4d18-a5fc-8333da0e2505" providerId="ADAL" clId="{AD3D0764-DDD4-4D2E-9B77-823ED7B50DAB}" dt="2022-06-13T11:46:11.371" v="1330" actId="20577"/>
+          <ac:graphicFrameMkLst>
+            <pc:docMk/>
+            <pc:sldMk cId="1460320143" sldId="257"/>
+            <ac:graphicFrameMk id="6" creationId="{34CD5848-6BF0-5777-A3D1-17204BCD7BCB}"/>
+          </ac:graphicFrameMkLst>
+        </pc:graphicFrameChg>
+      </pc:sldChg>
+      <pc:sldChg chg="addSp delSp modSp mod">
+        <pc:chgData name="Nachai (Fluke) Paramesthanakorn" userId="348aaf9e-50b5-4d18-a5fc-8333da0e2505" providerId="ADAL" clId="{AD3D0764-DDD4-4D2E-9B77-823ED7B50DAB}" dt="2022-06-18T15:18:38.580" v="2196" actId="1076"/>
+        <pc:sldMkLst>
+          <pc:docMk/>
+          <pc:sldMk cId="915334454" sldId="258"/>
+        </pc:sldMkLst>
+        <pc:spChg chg="mod">
+          <ac:chgData name="Nachai (Fluke) Paramesthanakorn" userId="348aaf9e-50b5-4d18-a5fc-8333da0e2505" providerId="ADAL" clId="{AD3D0764-DDD4-4D2E-9B77-823ED7B50DAB}" dt="2022-06-18T15:18:38.580" v="2196" actId="1076"/>
+          <ac:spMkLst>
+            <pc:docMk/>
+            <pc:sldMk cId="915334454" sldId="258"/>
+            <ac:spMk id="2" creationId="{E6E31280-DB88-FB02-5769-8FBA8CCC36B5}"/>
+          </ac:spMkLst>
+        </pc:spChg>
+        <pc:spChg chg="del">
+          <ac:chgData name="Nachai (Fluke) Paramesthanakorn" userId="348aaf9e-50b5-4d18-a5fc-8333da0e2505" providerId="ADAL" clId="{AD3D0764-DDD4-4D2E-9B77-823ED7B50DAB}" dt="2022-06-13T09:40:14.881" v="857" actId="478"/>
+          <ac:spMkLst>
+            <pc:docMk/>
+            <pc:sldMk cId="915334454" sldId="258"/>
+            <ac:spMk id="3" creationId="{68256E1D-949E-3034-0D0F-03CFD6421EB2}"/>
+          </ac:spMkLst>
+        </pc:spChg>
+        <pc:spChg chg="del">
+          <ac:chgData name="Nachai (Fluke) Paramesthanakorn" userId="348aaf9e-50b5-4d18-a5fc-8333da0e2505" providerId="ADAL" clId="{AD3D0764-DDD4-4D2E-9B77-823ED7B50DAB}" dt="2022-06-13T09:54:09.242" v="893" actId="478"/>
+          <ac:spMkLst>
+            <pc:docMk/>
+            <pc:sldMk cId="915334454" sldId="258"/>
+            <ac:spMk id="4" creationId="{73308F2E-3798-FC70-4B71-9E19945AD39C}"/>
+          </ac:spMkLst>
+        </pc:spChg>
+        <pc:spChg chg="del">
+          <ac:chgData name="Nachai (Fluke) Paramesthanakorn" userId="348aaf9e-50b5-4d18-a5fc-8333da0e2505" providerId="ADAL" clId="{AD3D0764-DDD4-4D2E-9B77-823ED7B50DAB}" dt="2022-06-13T09:40:16.376" v="858" actId="478"/>
+          <ac:spMkLst>
+            <pc:docMk/>
+            <pc:sldMk cId="915334454" sldId="258"/>
+            <ac:spMk id="5" creationId="{3D87C72F-C7D1-9C8C-09FA-5F0824D2B8C8}"/>
+          </ac:spMkLst>
+        </pc:spChg>
+        <pc:spChg chg="add del mod">
+          <ac:chgData name="Nachai (Fluke) Paramesthanakorn" userId="348aaf9e-50b5-4d18-a5fc-8333da0e2505" providerId="ADAL" clId="{AD3D0764-DDD4-4D2E-9B77-823ED7B50DAB}" dt="2022-06-13T09:54:08.180" v="892" actId="478"/>
+          <ac:spMkLst>
+            <pc:docMk/>
+            <pc:sldMk cId="915334454" sldId="258"/>
+            <ac:spMk id="14" creationId="{C9C77E70-D608-21EC-EF08-5D8B119AFE3B}"/>
+          </ac:spMkLst>
+        </pc:spChg>
+        <pc:spChg chg="add mod">
+          <ac:chgData name="Nachai (Fluke) Paramesthanakorn" userId="348aaf9e-50b5-4d18-a5fc-8333da0e2505" providerId="ADAL" clId="{AD3D0764-DDD4-4D2E-9B77-823ED7B50DAB}" dt="2022-06-13T12:22:45.738" v="1621" actId="20577"/>
+          <ac:spMkLst>
+            <pc:docMk/>
+            <pc:sldMk cId="915334454" sldId="258"/>
+            <ac:spMk id="15" creationId="{06A0DEF3-D89B-A294-9D33-6697C5C4A617}"/>
+          </ac:spMkLst>
+        </pc:spChg>
+        <pc:spChg chg="add mod">
+          <ac:chgData name="Nachai (Fluke) Paramesthanakorn" userId="348aaf9e-50b5-4d18-a5fc-8333da0e2505" providerId="ADAL" clId="{AD3D0764-DDD4-4D2E-9B77-823ED7B50DAB}" dt="2022-06-13T12:10:59.186" v="1596" actId="1076"/>
+          <ac:spMkLst>
+            <pc:docMk/>
+            <pc:sldMk cId="915334454" sldId="258"/>
+            <ac:spMk id="16" creationId="{B72CE4C5-E515-AEB6-DDD2-105F880D9ECC}"/>
+          </ac:spMkLst>
+        </pc:spChg>
+        <pc:spChg chg="add del mod">
+          <ac:chgData name="Nachai (Fluke) Paramesthanakorn" userId="348aaf9e-50b5-4d18-a5fc-8333da0e2505" providerId="ADAL" clId="{AD3D0764-DDD4-4D2E-9B77-823ED7B50DAB}" dt="2022-06-13T12:09:51.037" v="1581" actId="478"/>
+          <ac:spMkLst>
+            <pc:docMk/>
+            <pc:sldMk cId="915334454" sldId="258"/>
+            <ac:spMk id="17" creationId="{098514F5-9DB6-ADC5-877C-0666C07A3C40}"/>
+          </ac:spMkLst>
+        </pc:spChg>
+        <pc:spChg chg="add del mod">
+          <ac:chgData name="Nachai (Fluke) Paramesthanakorn" userId="348aaf9e-50b5-4d18-a5fc-8333da0e2505" providerId="ADAL" clId="{AD3D0764-DDD4-4D2E-9B77-823ED7B50DAB}" dt="2022-06-13T12:22:19.356" v="1602" actId="478"/>
+          <ac:spMkLst>
+            <pc:docMk/>
+            <pc:sldMk cId="915334454" sldId="258"/>
+            <ac:spMk id="18" creationId="{81F23D1D-C06A-7389-8491-B9ECD40E648B}"/>
+          </ac:spMkLst>
+        </pc:spChg>
+        <pc:spChg chg="add mod">
+          <ac:chgData name="Nachai (Fluke) Paramesthanakorn" userId="348aaf9e-50b5-4d18-a5fc-8333da0e2505" providerId="ADAL" clId="{AD3D0764-DDD4-4D2E-9B77-823ED7B50DAB}" dt="2022-06-13T12:22:25.394" v="1605" actId="1076"/>
+          <ac:spMkLst>
+            <pc:docMk/>
+            <pc:sldMk cId="915334454" sldId="258"/>
+            <ac:spMk id="20" creationId="{262EB513-79F3-F4E0-8DFF-6C2CC823DE9B}"/>
+          </ac:spMkLst>
+        </pc:spChg>
+        <pc:grpChg chg="del">
+          <ac:chgData name="Nachai (Fluke) Paramesthanakorn" userId="348aaf9e-50b5-4d18-a5fc-8333da0e2505" providerId="ADAL" clId="{AD3D0764-DDD4-4D2E-9B77-823ED7B50DAB}" dt="2022-06-13T09:54:04.187" v="891" actId="478"/>
+          <ac:grpSpMkLst>
+            <pc:docMk/>
+            <pc:sldMk cId="915334454" sldId="258"/>
+            <ac:grpSpMk id="13" creationId="{CC5586E3-91AA-02A0-293C-C23563BD39FF}"/>
+          </ac:grpSpMkLst>
+        </pc:grpChg>
+        <pc:graphicFrameChg chg="add mod modGraphic">
+          <ac:chgData name="Nachai (Fluke) Paramesthanakorn" userId="348aaf9e-50b5-4d18-a5fc-8333da0e2505" providerId="ADAL" clId="{AD3D0764-DDD4-4D2E-9B77-823ED7B50DAB}" dt="2022-06-13T12:25:59.223" v="1710"/>
+          <ac:graphicFrameMkLst>
+            <pc:docMk/>
+            <pc:sldMk cId="915334454" sldId="258"/>
+            <ac:graphicFrameMk id="19" creationId="{9F86FE58-7F12-B925-8F99-3D05435756D1}"/>
+          </ac:graphicFrameMkLst>
+        </pc:graphicFrameChg>
+        <pc:cxnChg chg="mod">
+          <ac:chgData name="Nachai (Fluke) Paramesthanakorn" userId="348aaf9e-50b5-4d18-a5fc-8333da0e2505" providerId="ADAL" clId="{AD3D0764-DDD4-4D2E-9B77-823ED7B50DAB}" dt="2022-06-13T09:54:04.187" v="891" actId="478"/>
+          <ac:cxnSpMkLst>
+            <pc:docMk/>
+            <pc:sldMk cId="915334454" sldId="258"/>
+            <ac:cxnSpMk id="10" creationId="{79C28891-44FC-06CE-EED7-B782232B8C6D}"/>
+          </ac:cxnSpMkLst>
+        </pc:cxnChg>
+      </pc:sldChg>
+      <pc:sldChg chg="delSp modSp add mod">
+        <pc:chgData name="Nachai (Fluke) Paramesthanakorn" userId="348aaf9e-50b5-4d18-a5fc-8333da0e2505" providerId="ADAL" clId="{AD3D0764-DDD4-4D2E-9B77-823ED7B50DAB}" dt="2022-06-18T15:17:56.417" v="2191" actId="20577"/>
+        <pc:sldMkLst>
+          <pc:docMk/>
+          <pc:sldMk cId="3321243836" sldId="259"/>
+        </pc:sldMkLst>
+        <pc:spChg chg="mod">
+          <ac:chgData name="Nachai (Fluke) Paramesthanakorn" userId="348aaf9e-50b5-4d18-a5fc-8333da0e2505" providerId="ADAL" clId="{AD3D0764-DDD4-4D2E-9B77-823ED7B50DAB}" dt="2022-06-18T15:17:56.417" v="2191" actId="20577"/>
+          <ac:spMkLst>
+            <pc:docMk/>
+            <pc:sldMk cId="3321243836" sldId="259"/>
+            <ac:spMk id="2" creationId="{E6E31280-DB88-FB02-5769-8FBA8CCC36B5}"/>
+          </ac:spMkLst>
+        </pc:spChg>
+        <pc:spChg chg="mod">
+          <ac:chgData name="Nachai (Fluke) Paramesthanakorn" userId="348aaf9e-50b5-4d18-a5fc-8333da0e2505" providerId="ADAL" clId="{AD3D0764-DDD4-4D2E-9B77-823ED7B50DAB}" dt="2022-06-18T12:47:39.862" v="1829" actId="1076"/>
+          <ac:spMkLst>
+            <pc:docMk/>
+            <pc:sldMk cId="3321243836" sldId="259"/>
+            <ac:spMk id="15" creationId="{06A0DEF3-D89B-A294-9D33-6697C5C4A617}"/>
+          </ac:spMkLst>
+        </pc:spChg>
+        <pc:spChg chg="del mod">
+          <ac:chgData name="Nachai (Fluke) Paramesthanakorn" userId="348aaf9e-50b5-4d18-a5fc-8333da0e2505" providerId="ADAL" clId="{AD3D0764-DDD4-4D2E-9B77-823ED7B50DAB}" dt="2022-06-18T12:30:00.872" v="1720" actId="478"/>
+          <ac:spMkLst>
+            <pc:docMk/>
+            <pc:sldMk cId="3321243836" sldId="259"/>
+            <ac:spMk id="16" creationId="{B72CE4C5-E515-AEB6-DDD2-105F880D9ECC}"/>
+          </ac:spMkLst>
+        </pc:spChg>
+        <pc:spChg chg="mod">
+          <ac:chgData name="Nachai (Fluke) Paramesthanakorn" userId="348aaf9e-50b5-4d18-a5fc-8333da0e2505" providerId="ADAL" clId="{AD3D0764-DDD4-4D2E-9B77-823ED7B50DAB}" dt="2022-06-18T12:47:14.663" v="1825" actId="1076"/>
+          <ac:spMkLst>
+            <pc:docMk/>
+            <pc:sldMk cId="3321243836" sldId="259"/>
+            <ac:spMk id="20" creationId="{262EB513-79F3-F4E0-8DFF-6C2CC823DE9B}"/>
+          </ac:spMkLst>
+        </pc:spChg>
+        <pc:graphicFrameChg chg="mod modGraphic">
+          <ac:chgData name="Nachai (Fluke) Paramesthanakorn" userId="348aaf9e-50b5-4d18-a5fc-8333da0e2505" providerId="ADAL" clId="{AD3D0764-DDD4-4D2E-9B77-823ED7B50DAB}" dt="2022-06-18T12:47:17.029" v="1826" actId="1076"/>
+          <ac:graphicFrameMkLst>
+            <pc:docMk/>
+            <pc:sldMk cId="3321243836" sldId="259"/>
+            <ac:graphicFrameMk id="19" creationId="{9F86FE58-7F12-B925-8F99-3D05435756D1}"/>
+          </ac:graphicFrameMkLst>
+        </pc:graphicFrameChg>
+      </pc:sldChg>
+      <pc:sldChg chg="modSp add mod">
+        <pc:chgData name="Nachai (Fluke) Paramesthanakorn" userId="348aaf9e-50b5-4d18-a5fc-8333da0e2505" providerId="ADAL" clId="{AD3D0764-DDD4-4D2E-9B77-823ED7B50DAB}" dt="2022-06-18T15:18:31.278" v="2195" actId="20577"/>
+        <pc:sldMkLst>
+          <pc:docMk/>
+          <pc:sldMk cId="978719796" sldId="260"/>
+        </pc:sldMkLst>
+        <pc:spChg chg="mod">
+          <ac:chgData name="Nachai (Fluke) Paramesthanakorn" userId="348aaf9e-50b5-4d18-a5fc-8333da0e2505" providerId="ADAL" clId="{AD3D0764-DDD4-4D2E-9B77-823ED7B50DAB}" dt="2022-06-18T15:18:31.278" v="2195" actId="20577"/>
+          <ac:spMkLst>
+            <pc:docMk/>
+            <pc:sldMk cId="978719796" sldId="260"/>
+            <ac:spMk id="2" creationId="{E6E31280-DB88-FB02-5769-8FBA8CCC36B5}"/>
+          </ac:spMkLst>
+        </pc:spChg>
+        <pc:spChg chg="mod">
+          <ac:chgData name="Nachai (Fluke) Paramesthanakorn" userId="348aaf9e-50b5-4d18-a5fc-8333da0e2505" providerId="ADAL" clId="{AD3D0764-DDD4-4D2E-9B77-823ED7B50DAB}" dt="2022-06-18T13:07:22.340" v="1903" actId="20577"/>
+          <ac:spMkLst>
+            <pc:docMk/>
+            <pc:sldMk cId="978719796" sldId="260"/>
+            <ac:spMk id="15" creationId="{06A0DEF3-D89B-A294-9D33-6697C5C4A617}"/>
+          </ac:spMkLst>
+        </pc:spChg>
+        <pc:graphicFrameChg chg="modGraphic">
+          <ac:chgData name="Nachai (Fluke) Paramesthanakorn" userId="348aaf9e-50b5-4d18-a5fc-8333da0e2505" providerId="ADAL" clId="{AD3D0764-DDD4-4D2E-9B77-823ED7B50DAB}" dt="2022-06-18T13:05:57.786" v="1890" actId="20577"/>
+          <ac:graphicFrameMkLst>
+            <pc:docMk/>
+            <pc:sldMk cId="978719796" sldId="260"/>
+            <ac:graphicFrameMk id="19" creationId="{9F86FE58-7F12-B925-8F99-3D05435756D1}"/>
+          </ac:graphicFrameMkLst>
+        </pc:graphicFrameChg>
+      </pc:sldChg>
+      <pc:sldChg chg="del">
+        <pc:chgData name="Nachai (Fluke) Paramesthanakorn" userId="348aaf9e-50b5-4d18-a5fc-8333da0e2505" providerId="ADAL" clId="{AD3D0764-DDD4-4D2E-9B77-823ED7B50DAB}" dt="2022-06-18T12:11:58.433" v="1711" actId="47"/>
+        <pc:sldMkLst>
+          <pc:docMk/>
+          <pc:sldMk cId="4271290158" sldId="260"/>
+        </pc:sldMkLst>
+      </pc:sldChg>
+      <pc:sldChg chg="modSp add mod">
+        <pc:chgData name="Nachai (Fluke) Paramesthanakorn" userId="348aaf9e-50b5-4d18-a5fc-8333da0e2505" providerId="ADAL" clId="{AD3D0764-DDD4-4D2E-9B77-823ED7B50DAB}" dt="2022-06-18T15:18:28.357" v="2194" actId="1076"/>
+        <pc:sldMkLst>
+          <pc:docMk/>
+          <pc:sldMk cId="553535742" sldId="261"/>
+        </pc:sldMkLst>
+        <pc:spChg chg="mod">
+          <ac:chgData name="Nachai (Fluke) Paramesthanakorn" userId="348aaf9e-50b5-4d18-a5fc-8333da0e2505" providerId="ADAL" clId="{AD3D0764-DDD4-4D2E-9B77-823ED7B50DAB}" dt="2022-06-18T15:18:28.357" v="2194" actId="1076"/>
+          <ac:spMkLst>
+            <pc:docMk/>
+            <pc:sldMk cId="553535742" sldId="261"/>
+            <ac:spMk id="2" creationId="{E6E31280-DB88-FB02-5769-8FBA8CCC36B5}"/>
+          </ac:spMkLst>
+        </pc:spChg>
+        <pc:spChg chg="mod">
+          <ac:chgData name="Nachai (Fluke) Paramesthanakorn" userId="348aaf9e-50b5-4d18-a5fc-8333da0e2505" providerId="ADAL" clId="{AD3D0764-DDD4-4D2E-9B77-823ED7B50DAB}" dt="2022-06-18T15:17:24.181" v="2190" actId="1076"/>
+          <ac:spMkLst>
+            <pc:docMk/>
+            <pc:sldMk cId="553535742" sldId="261"/>
+            <ac:spMk id="15" creationId="{06A0DEF3-D89B-A294-9D33-6697C5C4A617}"/>
+          </ac:spMkLst>
+        </pc:spChg>
+        <pc:spChg chg="mod">
+          <ac:chgData name="Nachai (Fluke) Paramesthanakorn" userId="348aaf9e-50b5-4d18-a5fc-8333da0e2505" providerId="ADAL" clId="{AD3D0764-DDD4-4D2E-9B77-823ED7B50DAB}" dt="2022-06-18T15:11:58.039" v="1975" actId="1076"/>
+          <ac:spMkLst>
+            <pc:docMk/>
+            <pc:sldMk cId="553535742" sldId="261"/>
+            <ac:spMk id="20" creationId="{262EB513-79F3-F4E0-8DFF-6C2CC823DE9B}"/>
+          </ac:spMkLst>
+        </pc:spChg>
+        <pc:graphicFrameChg chg="mod modGraphic">
+          <ac:chgData name="Nachai (Fluke) Paramesthanakorn" userId="348aaf9e-50b5-4d18-a5fc-8333da0e2505" providerId="ADAL" clId="{AD3D0764-DDD4-4D2E-9B77-823ED7B50DAB}" dt="2022-06-18T15:14:29.219" v="2117" actId="2165"/>
+          <ac:graphicFrameMkLst>
+            <pc:docMk/>
+            <pc:sldMk cId="553535742" sldId="261"/>
+            <ac:graphicFrameMk id="19" creationId="{9F86FE58-7F12-B925-8F99-3D05435756D1}"/>
+          </ac:graphicFrameMkLst>
+        </pc:graphicFrameChg>
+      </pc:sldChg>
+      <pc:sldChg chg="del">
+        <pc:chgData name="Nachai (Fluke) Paramesthanakorn" userId="348aaf9e-50b5-4d18-a5fc-8333da0e2505" providerId="ADAL" clId="{AD3D0764-DDD4-4D2E-9B77-823ED7B50DAB}" dt="2022-06-18T12:12:02.762" v="1714" actId="47"/>
+        <pc:sldMkLst>
+          <pc:docMk/>
+          <pc:sldMk cId="3964446542" sldId="261"/>
+        </pc:sldMkLst>
+      </pc:sldChg>
+      <pc:sldChg chg="del">
+        <pc:chgData name="Nachai (Fluke) Paramesthanakorn" userId="348aaf9e-50b5-4d18-a5fc-8333da0e2505" providerId="ADAL" clId="{AD3D0764-DDD4-4D2E-9B77-823ED7B50DAB}" dt="2022-06-18T12:12:00.332" v="1712" actId="47"/>
+        <pc:sldMkLst>
+          <pc:docMk/>
+          <pc:sldMk cId="124719412" sldId="262"/>
+        </pc:sldMkLst>
+      </pc:sldChg>
+      <pc:sldChg chg="del">
+        <pc:chgData name="Nachai (Fluke) Paramesthanakorn" userId="348aaf9e-50b5-4d18-a5fc-8333da0e2505" providerId="ADAL" clId="{AD3D0764-DDD4-4D2E-9B77-823ED7B50DAB}" dt="2022-06-18T12:12:01.649" v="1713" actId="47"/>
+        <pc:sldMkLst>
+          <pc:docMk/>
+          <pc:sldMk cId="2908012971" sldId="263"/>
+        </pc:sldMkLst>
+      </pc:sldChg>
+    </pc:docChg>
+  </pc:docChgLst>
   <pc:docChgLst>
     <pc:chgData name="Nachai (Fluke) Paramesthanakorn" userId="348aaf9e-50b5-4d18-a5fc-8333da0e2505" providerId="ADAL" clId="{FBD063E0-9D3E-4C62-83CE-BD6CE536E4B4}"/>
     <pc:docChg chg="undo custSel addSld delSld modSld sldOrd">
@@ -648,326 +969,6 @@
       </pc:sldChg>
     </pc:docChg>
   </pc:docChgLst>
-  <pc:docChgLst>
-    <pc:chgData name="Nachai (Fluke) Paramesthanakorn" userId="348aaf9e-50b5-4d18-a5fc-8333da0e2505" providerId="ADAL" clId="{AD3D0764-DDD4-4D2E-9B77-823ED7B50DAB}"/>
-    <pc:docChg chg="undo custSel addSld delSld modSld">
-      <pc:chgData name="Nachai (Fluke) Paramesthanakorn" userId="348aaf9e-50b5-4d18-a5fc-8333da0e2505" providerId="ADAL" clId="{AD3D0764-DDD4-4D2E-9B77-823ED7B50DAB}" dt="2022-06-18T15:18:38.580" v="2196" actId="1076"/>
-      <pc:docMkLst>
-        <pc:docMk/>
-      </pc:docMkLst>
-      <pc:sldChg chg="addSp delSp modSp mod">
-        <pc:chgData name="Nachai (Fluke) Paramesthanakorn" userId="348aaf9e-50b5-4d18-a5fc-8333da0e2505" providerId="ADAL" clId="{AD3D0764-DDD4-4D2E-9B77-823ED7B50DAB}" dt="2022-06-18T14:56:15.575" v="1932" actId="20577"/>
-        <pc:sldMkLst>
-          <pc:docMk/>
-          <pc:sldMk cId="1460320143" sldId="257"/>
-        </pc:sldMkLst>
-        <pc:spChg chg="mod">
-          <ac:chgData name="Nachai (Fluke) Paramesthanakorn" userId="348aaf9e-50b5-4d18-a5fc-8333da0e2505" providerId="ADAL" clId="{AD3D0764-DDD4-4D2E-9B77-823ED7B50DAB}" dt="2022-06-18T14:56:15.575" v="1932" actId="20577"/>
-          <ac:spMkLst>
-            <pc:docMk/>
-            <pc:sldMk cId="1460320143" sldId="257"/>
-            <ac:spMk id="2" creationId="{E6E31280-DB88-FB02-5769-8FBA8CCC36B5}"/>
-          </ac:spMkLst>
-        </pc:spChg>
-        <pc:spChg chg="mod">
-          <ac:chgData name="Nachai (Fluke) Paramesthanakorn" userId="348aaf9e-50b5-4d18-a5fc-8333da0e2505" providerId="ADAL" clId="{AD3D0764-DDD4-4D2E-9B77-823ED7B50DAB}" dt="2022-06-13T10:12:31.084" v="1076" actId="14100"/>
-          <ac:spMkLst>
-            <pc:docMk/>
-            <pc:sldMk cId="1460320143" sldId="257"/>
-            <ac:spMk id="3" creationId="{68256E1D-949E-3034-0D0F-03CFD6421EB2}"/>
-          </ac:spMkLst>
-        </pc:spChg>
-        <pc:spChg chg="del">
-          <ac:chgData name="Nachai (Fluke) Paramesthanakorn" userId="348aaf9e-50b5-4d18-a5fc-8333da0e2505" providerId="ADAL" clId="{AD3D0764-DDD4-4D2E-9B77-823ED7B50DAB}" dt="2022-06-13T09:24:54.113" v="224" actId="478"/>
-          <ac:spMkLst>
-            <pc:docMk/>
-            <pc:sldMk cId="1460320143" sldId="257"/>
-            <ac:spMk id="4" creationId="{73308F2E-3798-FC70-4B71-9E19945AD39C}"/>
-          </ac:spMkLst>
-        </pc:spChg>
-        <pc:spChg chg="del mod">
-          <ac:chgData name="Nachai (Fluke) Paramesthanakorn" userId="348aaf9e-50b5-4d18-a5fc-8333da0e2505" providerId="ADAL" clId="{AD3D0764-DDD4-4D2E-9B77-823ED7B50DAB}" dt="2022-06-13T10:13:13.903" v="1083" actId="478"/>
-          <ac:spMkLst>
-            <pc:docMk/>
-            <pc:sldMk cId="1460320143" sldId="257"/>
-            <ac:spMk id="5" creationId="{3D87C72F-C7D1-9C8C-09FA-5F0824D2B8C8}"/>
-          </ac:spMkLst>
-        </pc:spChg>
-        <pc:spChg chg="add mod">
-          <ac:chgData name="Nachai (Fluke) Paramesthanakorn" userId="348aaf9e-50b5-4d18-a5fc-8333da0e2505" providerId="ADAL" clId="{AD3D0764-DDD4-4D2E-9B77-823ED7B50DAB}" dt="2022-06-13T11:45:57.743" v="1325" actId="1035"/>
-          <ac:spMkLst>
-            <pc:docMk/>
-            <pc:sldMk cId="1460320143" sldId="257"/>
-            <ac:spMk id="7" creationId="{E56C5AF0-C199-3C69-7EED-E3C6C6ADC360}"/>
-          </ac:spMkLst>
-        </pc:spChg>
-        <pc:graphicFrameChg chg="add mod modGraphic">
-          <ac:chgData name="Nachai (Fluke) Paramesthanakorn" userId="348aaf9e-50b5-4d18-a5fc-8333da0e2505" providerId="ADAL" clId="{AD3D0764-DDD4-4D2E-9B77-823ED7B50DAB}" dt="2022-06-13T11:46:11.371" v="1330" actId="20577"/>
-          <ac:graphicFrameMkLst>
-            <pc:docMk/>
-            <pc:sldMk cId="1460320143" sldId="257"/>
-            <ac:graphicFrameMk id="6" creationId="{34CD5848-6BF0-5777-A3D1-17204BCD7BCB}"/>
-          </ac:graphicFrameMkLst>
-        </pc:graphicFrameChg>
-      </pc:sldChg>
-      <pc:sldChg chg="addSp delSp modSp mod">
-        <pc:chgData name="Nachai (Fluke) Paramesthanakorn" userId="348aaf9e-50b5-4d18-a5fc-8333da0e2505" providerId="ADAL" clId="{AD3D0764-DDD4-4D2E-9B77-823ED7B50DAB}" dt="2022-06-18T15:18:38.580" v="2196" actId="1076"/>
-        <pc:sldMkLst>
-          <pc:docMk/>
-          <pc:sldMk cId="915334454" sldId="258"/>
-        </pc:sldMkLst>
-        <pc:spChg chg="mod">
-          <ac:chgData name="Nachai (Fluke) Paramesthanakorn" userId="348aaf9e-50b5-4d18-a5fc-8333da0e2505" providerId="ADAL" clId="{AD3D0764-DDD4-4D2E-9B77-823ED7B50DAB}" dt="2022-06-18T15:18:38.580" v="2196" actId="1076"/>
-          <ac:spMkLst>
-            <pc:docMk/>
-            <pc:sldMk cId="915334454" sldId="258"/>
-            <ac:spMk id="2" creationId="{E6E31280-DB88-FB02-5769-8FBA8CCC36B5}"/>
-          </ac:spMkLst>
-        </pc:spChg>
-        <pc:spChg chg="del">
-          <ac:chgData name="Nachai (Fluke) Paramesthanakorn" userId="348aaf9e-50b5-4d18-a5fc-8333da0e2505" providerId="ADAL" clId="{AD3D0764-DDD4-4D2E-9B77-823ED7B50DAB}" dt="2022-06-13T09:40:14.881" v="857" actId="478"/>
-          <ac:spMkLst>
-            <pc:docMk/>
-            <pc:sldMk cId="915334454" sldId="258"/>
-            <ac:spMk id="3" creationId="{68256E1D-949E-3034-0D0F-03CFD6421EB2}"/>
-          </ac:spMkLst>
-        </pc:spChg>
-        <pc:spChg chg="del">
-          <ac:chgData name="Nachai (Fluke) Paramesthanakorn" userId="348aaf9e-50b5-4d18-a5fc-8333da0e2505" providerId="ADAL" clId="{AD3D0764-DDD4-4D2E-9B77-823ED7B50DAB}" dt="2022-06-13T09:54:09.242" v="893" actId="478"/>
-          <ac:spMkLst>
-            <pc:docMk/>
-            <pc:sldMk cId="915334454" sldId="258"/>
-            <ac:spMk id="4" creationId="{73308F2E-3798-FC70-4B71-9E19945AD39C}"/>
-          </ac:spMkLst>
-        </pc:spChg>
-        <pc:spChg chg="del">
-          <ac:chgData name="Nachai (Fluke) Paramesthanakorn" userId="348aaf9e-50b5-4d18-a5fc-8333da0e2505" providerId="ADAL" clId="{AD3D0764-DDD4-4D2E-9B77-823ED7B50DAB}" dt="2022-06-13T09:40:16.376" v="858" actId="478"/>
-          <ac:spMkLst>
-            <pc:docMk/>
-            <pc:sldMk cId="915334454" sldId="258"/>
-            <ac:spMk id="5" creationId="{3D87C72F-C7D1-9C8C-09FA-5F0824D2B8C8}"/>
-          </ac:spMkLst>
-        </pc:spChg>
-        <pc:spChg chg="add del mod">
-          <ac:chgData name="Nachai (Fluke) Paramesthanakorn" userId="348aaf9e-50b5-4d18-a5fc-8333da0e2505" providerId="ADAL" clId="{AD3D0764-DDD4-4D2E-9B77-823ED7B50DAB}" dt="2022-06-13T09:54:08.180" v="892" actId="478"/>
-          <ac:spMkLst>
-            <pc:docMk/>
-            <pc:sldMk cId="915334454" sldId="258"/>
-            <ac:spMk id="14" creationId="{C9C77E70-D608-21EC-EF08-5D8B119AFE3B}"/>
-          </ac:spMkLst>
-        </pc:spChg>
-        <pc:spChg chg="add mod">
-          <ac:chgData name="Nachai (Fluke) Paramesthanakorn" userId="348aaf9e-50b5-4d18-a5fc-8333da0e2505" providerId="ADAL" clId="{AD3D0764-DDD4-4D2E-9B77-823ED7B50DAB}" dt="2022-06-13T12:22:45.738" v="1621" actId="20577"/>
-          <ac:spMkLst>
-            <pc:docMk/>
-            <pc:sldMk cId="915334454" sldId="258"/>
-            <ac:spMk id="15" creationId="{06A0DEF3-D89B-A294-9D33-6697C5C4A617}"/>
-          </ac:spMkLst>
-        </pc:spChg>
-        <pc:spChg chg="add mod">
-          <ac:chgData name="Nachai (Fluke) Paramesthanakorn" userId="348aaf9e-50b5-4d18-a5fc-8333da0e2505" providerId="ADAL" clId="{AD3D0764-DDD4-4D2E-9B77-823ED7B50DAB}" dt="2022-06-13T12:10:59.186" v="1596" actId="1076"/>
-          <ac:spMkLst>
-            <pc:docMk/>
-            <pc:sldMk cId="915334454" sldId="258"/>
-            <ac:spMk id="16" creationId="{B72CE4C5-E515-AEB6-DDD2-105F880D9ECC}"/>
-          </ac:spMkLst>
-        </pc:spChg>
-        <pc:spChg chg="add del mod">
-          <ac:chgData name="Nachai (Fluke) Paramesthanakorn" userId="348aaf9e-50b5-4d18-a5fc-8333da0e2505" providerId="ADAL" clId="{AD3D0764-DDD4-4D2E-9B77-823ED7B50DAB}" dt="2022-06-13T12:09:51.037" v="1581" actId="478"/>
-          <ac:spMkLst>
-            <pc:docMk/>
-            <pc:sldMk cId="915334454" sldId="258"/>
-            <ac:spMk id="17" creationId="{098514F5-9DB6-ADC5-877C-0666C07A3C40}"/>
-          </ac:spMkLst>
-        </pc:spChg>
-        <pc:spChg chg="add del mod">
-          <ac:chgData name="Nachai (Fluke) Paramesthanakorn" userId="348aaf9e-50b5-4d18-a5fc-8333da0e2505" providerId="ADAL" clId="{AD3D0764-DDD4-4D2E-9B77-823ED7B50DAB}" dt="2022-06-13T12:22:19.356" v="1602" actId="478"/>
-          <ac:spMkLst>
-            <pc:docMk/>
-            <pc:sldMk cId="915334454" sldId="258"/>
-            <ac:spMk id="18" creationId="{81F23D1D-C06A-7389-8491-B9ECD40E648B}"/>
-          </ac:spMkLst>
-        </pc:spChg>
-        <pc:spChg chg="add mod">
-          <ac:chgData name="Nachai (Fluke) Paramesthanakorn" userId="348aaf9e-50b5-4d18-a5fc-8333da0e2505" providerId="ADAL" clId="{AD3D0764-DDD4-4D2E-9B77-823ED7B50DAB}" dt="2022-06-13T12:22:25.394" v="1605" actId="1076"/>
-          <ac:spMkLst>
-            <pc:docMk/>
-            <pc:sldMk cId="915334454" sldId="258"/>
-            <ac:spMk id="20" creationId="{262EB513-79F3-F4E0-8DFF-6C2CC823DE9B}"/>
-          </ac:spMkLst>
-        </pc:spChg>
-        <pc:grpChg chg="del">
-          <ac:chgData name="Nachai (Fluke) Paramesthanakorn" userId="348aaf9e-50b5-4d18-a5fc-8333da0e2505" providerId="ADAL" clId="{AD3D0764-DDD4-4D2E-9B77-823ED7B50DAB}" dt="2022-06-13T09:54:04.187" v="891" actId="478"/>
-          <ac:grpSpMkLst>
-            <pc:docMk/>
-            <pc:sldMk cId="915334454" sldId="258"/>
-            <ac:grpSpMk id="13" creationId="{CC5586E3-91AA-02A0-293C-C23563BD39FF}"/>
-          </ac:grpSpMkLst>
-        </pc:grpChg>
-        <pc:graphicFrameChg chg="add mod modGraphic">
-          <ac:chgData name="Nachai (Fluke) Paramesthanakorn" userId="348aaf9e-50b5-4d18-a5fc-8333da0e2505" providerId="ADAL" clId="{AD3D0764-DDD4-4D2E-9B77-823ED7B50DAB}" dt="2022-06-13T12:25:59.223" v="1710"/>
-          <ac:graphicFrameMkLst>
-            <pc:docMk/>
-            <pc:sldMk cId="915334454" sldId="258"/>
-            <ac:graphicFrameMk id="19" creationId="{9F86FE58-7F12-B925-8F99-3D05435756D1}"/>
-          </ac:graphicFrameMkLst>
-        </pc:graphicFrameChg>
-        <pc:cxnChg chg="mod">
-          <ac:chgData name="Nachai (Fluke) Paramesthanakorn" userId="348aaf9e-50b5-4d18-a5fc-8333da0e2505" providerId="ADAL" clId="{AD3D0764-DDD4-4D2E-9B77-823ED7B50DAB}" dt="2022-06-13T09:54:04.187" v="891" actId="478"/>
-          <ac:cxnSpMkLst>
-            <pc:docMk/>
-            <pc:sldMk cId="915334454" sldId="258"/>
-            <ac:cxnSpMk id="10" creationId="{79C28891-44FC-06CE-EED7-B782232B8C6D}"/>
-          </ac:cxnSpMkLst>
-        </pc:cxnChg>
-      </pc:sldChg>
-      <pc:sldChg chg="delSp modSp add mod">
-        <pc:chgData name="Nachai (Fluke) Paramesthanakorn" userId="348aaf9e-50b5-4d18-a5fc-8333da0e2505" providerId="ADAL" clId="{AD3D0764-DDD4-4D2E-9B77-823ED7B50DAB}" dt="2022-06-18T15:17:56.417" v="2191" actId="20577"/>
-        <pc:sldMkLst>
-          <pc:docMk/>
-          <pc:sldMk cId="3321243836" sldId="259"/>
-        </pc:sldMkLst>
-        <pc:spChg chg="mod">
-          <ac:chgData name="Nachai (Fluke) Paramesthanakorn" userId="348aaf9e-50b5-4d18-a5fc-8333da0e2505" providerId="ADAL" clId="{AD3D0764-DDD4-4D2E-9B77-823ED7B50DAB}" dt="2022-06-18T15:17:56.417" v="2191" actId="20577"/>
-          <ac:spMkLst>
-            <pc:docMk/>
-            <pc:sldMk cId="3321243836" sldId="259"/>
-            <ac:spMk id="2" creationId="{E6E31280-DB88-FB02-5769-8FBA8CCC36B5}"/>
-          </ac:spMkLst>
-        </pc:spChg>
-        <pc:spChg chg="mod">
-          <ac:chgData name="Nachai (Fluke) Paramesthanakorn" userId="348aaf9e-50b5-4d18-a5fc-8333da0e2505" providerId="ADAL" clId="{AD3D0764-DDD4-4D2E-9B77-823ED7B50DAB}" dt="2022-06-18T12:47:39.862" v="1829" actId="1076"/>
-          <ac:spMkLst>
-            <pc:docMk/>
-            <pc:sldMk cId="3321243836" sldId="259"/>
-            <ac:spMk id="15" creationId="{06A0DEF3-D89B-A294-9D33-6697C5C4A617}"/>
-          </ac:spMkLst>
-        </pc:spChg>
-        <pc:spChg chg="del mod">
-          <ac:chgData name="Nachai (Fluke) Paramesthanakorn" userId="348aaf9e-50b5-4d18-a5fc-8333da0e2505" providerId="ADAL" clId="{AD3D0764-DDD4-4D2E-9B77-823ED7B50DAB}" dt="2022-06-18T12:30:00.872" v="1720" actId="478"/>
-          <ac:spMkLst>
-            <pc:docMk/>
-            <pc:sldMk cId="3321243836" sldId="259"/>
-            <ac:spMk id="16" creationId="{B72CE4C5-E515-AEB6-DDD2-105F880D9ECC}"/>
-          </ac:spMkLst>
-        </pc:spChg>
-        <pc:spChg chg="mod">
-          <ac:chgData name="Nachai (Fluke) Paramesthanakorn" userId="348aaf9e-50b5-4d18-a5fc-8333da0e2505" providerId="ADAL" clId="{AD3D0764-DDD4-4D2E-9B77-823ED7B50DAB}" dt="2022-06-18T12:47:14.663" v="1825" actId="1076"/>
-          <ac:spMkLst>
-            <pc:docMk/>
-            <pc:sldMk cId="3321243836" sldId="259"/>
-            <ac:spMk id="20" creationId="{262EB513-79F3-F4E0-8DFF-6C2CC823DE9B}"/>
-          </ac:spMkLst>
-        </pc:spChg>
-        <pc:graphicFrameChg chg="mod modGraphic">
-          <ac:chgData name="Nachai (Fluke) Paramesthanakorn" userId="348aaf9e-50b5-4d18-a5fc-8333da0e2505" providerId="ADAL" clId="{AD3D0764-DDD4-4D2E-9B77-823ED7B50DAB}" dt="2022-06-18T12:47:17.029" v="1826" actId="1076"/>
-          <ac:graphicFrameMkLst>
-            <pc:docMk/>
-            <pc:sldMk cId="3321243836" sldId="259"/>
-            <ac:graphicFrameMk id="19" creationId="{9F86FE58-7F12-B925-8F99-3D05435756D1}"/>
-          </ac:graphicFrameMkLst>
-        </pc:graphicFrameChg>
-      </pc:sldChg>
-      <pc:sldChg chg="modSp add mod">
-        <pc:chgData name="Nachai (Fluke) Paramesthanakorn" userId="348aaf9e-50b5-4d18-a5fc-8333da0e2505" providerId="ADAL" clId="{AD3D0764-DDD4-4D2E-9B77-823ED7B50DAB}" dt="2022-06-18T15:18:31.278" v="2195" actId="20577"/>
-        <pc:sldMkLst>
-          <pc:docMk/>
-          <pc:sldMk cId="978719796" sldId="260"/>
-        </pc:sldMkLst>
-        <pc:spChg chg="mod">
-          <ac:chgData name="Nachai (Fluke) Paramesthanakorn" userId="348aaf9e-50b5-4d18-a5fc-8333da0e2505" providerId="ADAL" clId="{AD3D0764-DDD4-4D2E-9B77-823ED7B50DAB}" dt="2022-06-18T15:18:31.278" v="2195" actId="20577"/>
-          <ac:spMkLst>
-            <pc:docMk/>
-            <pc:sldMk cId="978719796" sldId="260"/>
-            <ac:spMk id="2" creationId="{E6E31280-DB88-FB02-5769-8FBA8CCC36B5}"/>
-          </ac:spMkLst>
-        </pc:spChg>
-        <pc:spChg chg="mod">
-          <ac:chgData name="Nachai (Fluke) Paramesthanakorn" userId="348aaf9e-50b5-4d18-a5fc-8333da0e2505" providerId="ADAL" clId="{AD3D0764-DDD4-4D2E-9B77-823ED7B50DAB}" dt="2022-06-18T13:07:22.340" v="1903" actId="20577"/>
-          <ac:spMkLst>
-            <pc:docMk/>
-            <pc:sldMk cId="978719796" sldId="260"/>
-            <ac:spMk id="15" creationId="{06A0DEF3-D89B-A294-9D33-6697C5C4A617}"/>
-          </ac:spMkLst>
-        </pc:spChg>
-        <pc:graphicFrameChg chg="modGraphic">
-          <ac:chgData name="Nachai (Fluke) Paramesthanakorn" userId="348aaf9e-50b5-4d18-a5fc-8333da0e2505" providerId="ADAL" clId="{AD3D0764-DDD4-4D2E-9B77-823ED7B50DAB}" dt="2022-06-18T13:05:57.786" v="1890" actId="20577"/>
-          <ac:graphicFrameMkLst>
-            <pc:docMk/>
-            <pc:sldMk cId="978719796" sldId="260"/>
-            <ac:graphicFrameMk id="19" creationId="{9F86FE58-7F12-B925-8F99-3D05435756D1}"/>
-          </ac:graphicFrameMkLst>
-        </pc:graphicFrameChg>
-      </pc:sldChg>
-      <pc:sldChg chg="del">
-        <pc:chgData name="Nachai (Fluke) Paramesthanakorn" userId="348aaf9e-50b5-4d18-a5fc-8333da0e2505" providerId="ADAL" clId="{AD3D0764-DDD4-4D2E-9B77-823ED7B50DAB}" dt="2022-06-18T12:11:58.433" v="1711" actId="47"/>
-        <pc:sldMkLst>
-          <pc:docMk/>
-          <pc:sldMk cId="4271290158" sldId="260"/>
-        </pc:sldMkLst>
-      </pc:sldChg>
-      <pc:sldChg chg="modSp add mod">
-        <pc:chgData name="Nachai (Fluke) Paramesthanakorn" userId="348aaf9e-50b5-4d18-a5fc-8333da0e2505" providerId="ADAL" clId="{AD3D0764-DDD4-4D2E-9B77-823ED7B50DAB}" dt="2022-06-18T15:18:28.357" v="2194" actId="1076"/>
-        <pc:sldMkLst>
-          <pc:docMk/>
-          <pc:sldMk cId="553535742" sldId="261"/>
-        </pc:sldMkLst>
-        <pc:spChg chg="mod">
-          <ac:chgData name="Nachai (Fluke) Paramesthanakorn" userId="348aaf9e-50b5-4d18-a5fc-8333da0e2505" providerId="ADAL" clId="{AD3D0764-DDD4-4D2E-9B77-823ED7B50DAB}" dt="2022-06-18T15:18:28.357" v="2194" actId="1076"/>
-          <ac:spMkLst>
-            <pc:docMk/>
-            <pc:sldMk cId="553535742" sldId="261"/>
-            <ac:spMk id="2" creationId="{E6E31280-DB88-FB02-5769-8FBA8CCC36B5}"/>
-          </ac:spMkLst>
-        </pc:spChg>
-        <pc:spChg chg="mod">
-          <ac:chgData name="Nachai (Fluke) Paramesthanakorn" userId="348aaf9e-50b5-4d18-a5fc-8333da0e2505" providerId="ADAL" clId="{AD3D0764-DDD4-4D2E-9B77-823ED7B50DAB}" dt="2022-06-18T15:17:24.181" v="2190" actId="1076"/>
-          <ac:spMkLst>
-            <pc:docMk/>
-            <pc:sldMk cId="553535742" sldId="261"/>
-            <ac:spMk id="15" creationId="{06A0DEF3-D89B-A294-9D33-6697C5C4A617}"/>
-          </ac:spMkLst>
-        </pc:spChg>
-        <pc:spChg chg="mod">
-          <ac:chgData name="Nachai (Fluke) Paramesthanakorn" userId="348aaf9e-50b5-4d18-a5fc-8333da0e2505" providerId="ADAL" clId="{AD3D0764-DDD4-4D2E-9B77-823ED7B50DAB}" dt="2022-06-18T15:11:58.039" v="1975" actId="1076"/>
-          <ac:spMkLst>
-            <pc:docMk/>
-            <pc:sldMk cId="553535742" sldId="261"/>
-            <ac:spMk id="20" creationId="{262EB513-79F3-F4E0-8DFF-6C2CC823DE9B}"/>
-          </ac:spMkLst>
-        </pc:spChg>
-        <pc:graphicFrameChg chg="mod modGraphic">
-          <ac:chgData name="Nachai (Fluke) Paramesthanakorn" userId="348aaf9e-50b5-4d18-a5fc-8333da0e2505" providerId="ADAL" clId="{AD3D0764-DDD4-4D2E-9B77-823ED7B50DAB}" dt="2022-06-18T15:14:29.219" v="2117" actId="2165"/>
-          <ac:graphicFrameMkLst>
-            <pc:docMk/>
-            <pc:sldMk cId="553535742" sldId="261"/>
-            <ac:graphicFrameMk id="19" creationId="{9F86FE58-7F12-B925-8F99-3D05435756D1}"/>
-          </ac:graphicFrameMkLst>
-        </pc:graphicFrameChg>
-      </pc:sldChg>
-      <pc:sldChg chg="del">
-        <pc:chgData name="Nachai (Fluke) Paramesthanakorn" userId="348aaf9e-50b5-4d18-a5fc-8333da0e2505" providerId="ADAL" clId="{AD3D0764-DDD4-4D2E-9B77-823ED7B50DAB}" dt="2022-06-18T12:12:02.762" v="1714" actId="47"/>
-        <pc:sldMkLst>
-          <pc:docMk/>
-          <pc:sldMk cId="3964446542" sldId="261"/>
-        </pc:sldMkLst>
-      </pc:sldChg>
-      <pc:sldChg chg="del">
-        <pc:chgData name="Nachai (Fluke) Paramesthanakorn" userId="348aaf9e-50b5-4d18-a5fc-8333da0e2505" providerId="ADAL" clId="{AD3D0764-DDD4-4D2E-9B77-823ED7B50DAB}" dt="2022-06-18T12:12:00.332" v="1712" actId="47"/>
-        <pc:sldMkLst>
-          <pc:docMk/>
-          <pc:sldMk cId="124719412" sldId="262"/>
-        </pc:sldMkLst>
-      </pc:sldChg>
-      <pc:sldChg chg="del">
-        <pc:chgData name="Nachai (Fluke) Paramesthanakorn" userId="348aaf9e-50b5-4d18-a5fc-8333da0e2505" providerId="ADAL" clId="{AD3D0764-DDD4-4D2E-9B77-823ED7B50DAB}" dt="2022-06-18T12:12:01.649" v="1713" actId="47"/>
-        <pc:sldMkLst>
-          <pc:docMk/>
-          <pc:sldMk cId="2908012971" sldId="263"/>
-        </pc:sldMkLst>
-      </pc:sldChg>
-    </pc:docChg>
-  </pc:docChgLst>
 </pc:chgInfo>
 </file>
 
@@ -1118,7 +1119,7 @@
           <a:p>
             <a:fld id="{07F7D0CB-7C66-46CC-87F2-65684CA4E18D}" type="datetimeFigureOut">
               <a:rPr lang="en-US" smtClean="0"/>
-              <a:t>6/25/2022</a:t>
+              <a:t>7/15/2022</a:t>
             </a:fld>
             <a:endParaRPr lang="en-US"/>
           </a:p>
@@ -1316,7 +1317,7 @@
           <a:p>
             <a:fld id="{07F7D0CB-7C66-46CC-87F2-65684CA4E18D}" type="datetimeFigureOut">
               <a:rPr lang="en-US" smtClean="0"/>
-              <a:t>6/25/2022</a:t>
+              <a:t>7/15/2022</a:t>
             </a:fld>
             <a:endParaRPr lang="en-US"/>
           </a:p>
@@ -1524,7 +1525,7 @@
           <a:p>
             <a:fld id="{07F7D0CB-7C66-46CC-87F2-65684CA4E18D}" type="datetimeFigureOut">
               <a:rPr lang="en-US" smtClean="0"/>
-              <a:t>6/25/2022</a:t>
+              <a:t>7/15/2022</a:t>
             </a:fld>
             <a:endParaRPr lang="en-US"/>
           </a:p>
@@ -1722,7 +1723,7 @@
           <a:p>
             <a:fld id="{07F7D0CB-7C66-46CC-87F2-65684CA4E18D}" type="datetimeFigureOut">
               <a:rPr lang="en-US" smtClean="0"/>
-              <a:t>6/25/2022</a:t>
+              <a:t>7/15/2022</a:t>
             </a:fld>
             <a:endParaRPr lang="en-US"/>
           </a:p>
@@ -1997,7 +1998,7 @@
           <a:p>
             <a:fld id="{07F7D0CB-7C66-46CC-87F2-65684CA4E18D}" type="datetimeFigureOut">
               <a:rPr lang="en-US" smtClean="0"/>
-              <a:t>6/25/2022</a:t>
+              <a:t>7/15/2022</a:t>
             </a:fld>
             <a:endParaRPr lang="en-US"/>
           </a:p>
@@ -2262,7 +2263,7 @@
           <a:p>
             <a:fld id="{07F7D0CB-7C66-46CC-87F2-65684CA4E18D}" type="datetimeFigureOut">
               <a:rPr lang="en-US" smtClean="0"/>
-              <a:t>6/25/2022</a:t>
+              <a:t>7/15/2022</a:t>
             </a:fld>
             <a:endParaRPr lang="en-US"/>
           </a:p>
@@ -2674,7 +2675,7 @@
           <a:p>
             <a:fld id="{07F7D0CB-7C66-46CC-87F2-65684CA4E18D}" type="datetimeFigureOut">
               <a:rPr lang="en-US" smtClean="0"/>
-              <a:t>6/25/2022</a:t>
+              <a:t>7/15/2022</a:t>
             </a:fld>
             <a:endParaRPr lang="en-US"/>
           </a:p>
@@ -2815,7 +2816,7 @@
           <a:p>
             <a:fld id="{07F7D0CB-7C66-46CC-87F2-65684CA4E18D}" type="datetimeFigureOut">
               <a:rPr lang="en-US" smtClean="0"/>
-              <a:t>6/25/2022</a:t>
+              <a:t>7/15/2022</a:t>
             </a:fld>
             <a:endParaRPr lang="en-US"/>
           </a:p>
@@ -2928,7 +2929,7 @@
           <a:p>
             <a:fld id="{07F7D0CB-7C66-46CC-87F2-65684CA4E18D}" type="datetimeFigureOut">
               <a:rPr lang="en-US" smtClean="0"/>
-              <a:t>6/25/2022</a:t>
+              <a:t>7/15/2022</a:t>
             </a:fld>
             <a:endParaRPr lang="en-US"/>
           </a:p>
@@ -3239,7 +3240,7 @@
           <a:p>
             <a:fld id="{07F7D0CB-7C66-46CC-87F2-65684CA4E18D}" type="datetimeFigureOut">
               <a:rPr lang="en-US" smtClean="0"/>
-              <a:t>6/25/2022</a:t>
+              <a:t>7/15/2022</a:t>
             </a:fld>
             <a:endParaRPr lang="en-US"/>
           </a:p>
@@ -3527,7 +3528,7 @@
           <a:p>
             <a:fld id="{07F7D0CB-7C66-46CC-87F2-65684CA4E18D}" type="datetimeFigureOut">
               <a:rPr lang="en-US" smtClean="0"/>
-              <a:t>6/25/2022</a:t>
+              <a:t>7/15/2022</a:t>
             </a:fld>
             <a:endParaRPr lang="en-US"/>
           </a:p>
@@ -3768,7 +3769,7 @@
           <a:p>
             <a:fld id="{07F7D0CB-7C66-46CC-87F2-65684CA4E18D}" type="datetimeFigureOut">
               <a:rPr lang="en-US" smtClean="0"/>
-              <a:t>6/25/2022</a:t>
+              <a:t>7/15/2022</a:t>
             </a:fld>
             <a:endParaRPr lang="en-US"/>
           </a:p>
@@ -8598,6 +8599,2057 @@
 </p:sld>
 </file>
 
+<file path=ppt/slides/slide6.xml><?xml version="1.0" encoding="utf-8"?>
+<p:sld xmlns:a="http://schemas.openxmlformats.org/drawingml/2006/main" xmlns:r="http://schemas.openxmlformats.org/officeDocument/2006/relationships" xmlns:p="http://schemas.openxmlformats.org/presentationml/2006/main">
+  <p:cSld>
+    <p:spTree>
+      <p:nvGrpSpPr>
+        <p:cNvPr id="1" name=""/>
+        <p:cNvGrpSpPr/>
+        <p:nvPr/>
+      </p:nvGrpSpPr>
+      <p:grpSpPr>
+        <a:xfrm>
+          <a:off x="0" y="0"/>
+          <a:ext cx="0" cy="0"/>
+          <a:chOff x="0" y="0"/>
+          <a:chExt cx="0" cy="0"/>
+        </a:xfrm>
+      </p:grpSpPr>
+      <p:sp>
+        <p:nvSpPr>
+          <p:cNvPr id="2" name="Title 1">
+            <a:extLst>
+              <a:ext uri="{FF2B5EF4-FFF2-40B4-BE49-F238E27FC236}">
+                <a16:creationId xmlns:a16="http://schemas.microsoft.com/office/drawing/2014/main" id="{E6E31280-DB88-FB02-5769-8FBA8CCC36B5}"/>
+              </a:ext>
+            </a:extLst>
+          </p:cNvPr>
+          <p:cNvSpPr>
+            <a:spLocks noGrp="1"/>
+          </p:cNvSpPr>
+          <p:nvPr>
+            <p:ph type="title"/>
+          </p:nvPr>
+        </p:nvSpPr>
+        <p:spPr>
+          <a:xfrm>
+            <a:off x="838200" y="365126"/>
+            <a:ext cx="10515600" cy="734210"/>
+          </a:xfrm>
+        </p:spPr>
+        <p:txBody>
+          <a:bodyPr/>
+          <a:lstStyle/>
+          <a:p>
+            <a:r>
+              <a:rPr lang="th-TH" dirty="0">
+                <a:latin typeface="TH Sarabun New" panose="020B0500040200020003" pitchFamily="34" charset="-34"/>
+                <a:cs typeface="TH Sarabun New" panose="020B0500040200020003" pitchFamily="34" charset="-34"/>
+              </a:rPr>
+              <a:t>ถังเก็บน้ำ</a:t>
+            </a:r>
+            <a:endParaRPr lang="en-US" dirty="0">
+              <a:latin typeface="TH Sarabun New" panose="020B0500040200020003" pitchFamily="34" charset="-34"/>
+              <a:cs typeface="TH Sarabun New" panose="020B0500040200020003" pitchFamily="34" charset="-34"/>
+            </a:endParaRPr>
+          </a:p>
+        </p:txBody>
+      </p:sp>
+      <p:sp>
+        <p:nvSpPr>
+          <p:cNvPr id="3" name="Content Placeholder 2">
+            <a:extLst>
+              <a:ext uri="{FF2B5EF4-FFF2-40B4-BE49-F238E27FC236}">
+                <a16:creationId xmlns:a16="http://schemas.microsoft.com/office/drawing/2014/main" id="{68256E1D-949E-3034-0D0F-03CFD6421EB2}"/>
+              </a:ext>
+            </a:extLst>
+          </p:cNvPr>
+          <p:cNvSpPr>
+            <a:spLocks noGrp="1"/>
+          </p:cNvSpPr>
+          <p:nvPr>
+            <p:ph idx="1"/>
+          </p:nvPr>
+        </p:nvSpPr>
+        <p:spPr>
+          <a:xfrm>
+            <a:off x="532659" y="1176868"/>
+            <a:ext cx="6967475" cy="2404532"/>
+          </a:xfrm>
+        </p:spPr>
+        <p:txBody>
+          <a:bodyPr>
+            <a:normAutofit fontScale="92500" lnSpcReduction="10000"/>
+          </a:bodyPr>
+          <a:lstStyle/>
+          <a:p>
+            <a:pPr marL="0" indent="0">
+              <a:buNone/>
+            </a:pPr>
+            <a:r>
+              <a:rPr lang="th-TH" sz="2400" dirty="0">
+                <a:latin typeface="TH Sarabun New" panose="020B0500040200020003" pitchFamily="34" charset="-34"/>
+                <a:cs typeface="TH Sarabun New" panose="020B0500040200020003" pitchFamily="34" charset="-34"/>
+              </a:rPr>
+              <a:t>กำหนดค่า </a:t>
+            </a:r>
+            <a:r>
+              <a:rPr lang="en-US" sz="2400" b="0" dirty="0">
+                <a:effectLst/>
+                <a:latin typeface="TH Sarabun New" panose="020B0500040200020003" pitchFamily="34" charset="-34"/>
+                <a:cs typeface="TH Sarabun New" panose="020B0500040200020003" pitchFamily="34" charset="-34"/>
+              </a:rPr>
+              <a:t>height</a:t>
+            </a:r>
+            <a:r>
+              <a:rPr lang="en-US" sz="2400" dirty="0">
+                <a:latin typeface="TH Sarabun New" panose="020B0500040200020003" pitchFamily="34" charset="-34"/>
+                <a:cs typeface="TH Sarabun New" panose="020B0500040200020003" pitchFamily="34" charset="-34"/>
+              </a:rPr>
+              <a:t> </a:t>
+            </a:r>
+            <a:r>
+              <a:rPr lang="th-TH" sz="2400" dirty="0">
+                <a:latin typeface="TH Sarabun New" panose="020B0500040200020003" pitchFamily="34" charset="-34"/>
+                <a:cs typeface="TH Sarabun New" panose="020B0500040200020003" pitchFamily="34" charset="-34"/>
+              </a:rPr>
+              <a:t>คือ </a:t>
+            </a:r>
+            <a:r>
+              <a:rPr lang="en-US" sz="2400" dirty="0">
+                <a:latin typeface="TH Sarabun New" panose="020B0500040200020003" pitchFamily="34" charset="-34"/>
+                <a:cs typeface="TH Sarabun New" panose="020B0500040200020003" pitchFamily="34" charset="-34"/>
+              </a:rPr>
+              <a:t>array of integer </a:t>
+            </a:r>
+            <a:r>
+              <a:rPr lang="th-TH" sz="2400" dirty="0">
+                <a:latin typeface="TH Sarabun New" panose="020B0500040200020003" pitchFamily="34" charset="-34"/>
+                <a:cs typeface="TH Sarabun New" panose="020B0500040200020003" pitchFamily="34" charset="-34"/>
+              </a:rPr>
+              <a:t>เก็บความสูงของขอบแต่ละขอบ (แกน </a:t>
+            </a:r>
+            <a:r>
+              <a:rPr lang="en-US" sz="2400" dirty="0">
+                <a:latin typeface="TH Sarabun New" panose="020B0500040200020003" pitchFamily="34" charset="-34"/>
+                <a:cs typeface="TH Sarabun New" panose="020B0500040200020003" pitchFamily="34" charset="-34"/>
+              </a:rPr>
+              <a:t>y</a:t>
+            </a:r>
+            <a:r>
+              <a:rPr lang="th-TH" sz="2400" dirty="0">
+                <a:latin typeface="TH Sarabun New" panose="020B0500040200020003" pitchFamily="34" charset="-34"/>
+                <a:cs typeface="TH Sarabun New" panose="020B0500040200020003" pitchFamily="34" charset="-34"/>
+              </a:rPr>
+              <a:t>)</a:t>
+            </a:r>
+          </a:p>
+          <a:p>
+            <a:pPr marL="0" indent="0">
+              <a:buNone/>
+            </a:pPr>
+            <a:r>
+              <a:rPr lang="th-TH" sz="2400" b="0" dirty="0">
+                <a:effectLst/>
+                <a:latin typeface="TH Sarabun New" panose="020B0500040200020003" pitchFamily="34" charset="-34"/>
+                <a:cs typeface="TH Sarabun New" panose="020B0500040200020003" pitchFamily="34" charset="-34"/>
+              </a:rPr>
+              <a:t>และ </a:t>
+            </a:r>
+            <a:r>
+              <a:rPr lang="en-US" sz="2400" b="0" dirty="0">
+                <a:effectLst/>
+                <a:latin typeface="TH Sarabun New" panose="020B0500040200020003" pitchFamily="34" charset="-34"/>
+                <a:cs typeface="TH Sarabun New" panose="020B0500040200020003" pitchFamily="34" charset="-34"/>
+              </a:rPr>
+              <a:t>index </a:t>
+            </a:r>
+            <a:r>
+              <a:rPr lang="th-TH" sz="2400" b="0" dirty="0">
+                <a:effectLst/>
+                <a:latin typeface="TH Sarabun New" panose="020B0500040200020003" pitchFamily="34" charset="-34"/>
+                <a:cs typeface="TH Sarabun New" panose="020B0500040200020003" pitchFamily="34" charset="-34"/>
+              </a:rPr>
+              <a:t>ของ </a:t>
+            </a:r>
+            <a:r>
+              <a:rPr lang="en-US" sz="2400" b="0" dirty="0">
+                <a:effectLst/>
+                <a:latin typeface="TH Sarabun New" panose="020B0500040200020003" pitchFamily="34" charset="-34"/>
+                <a:cs typeface="TH Sarabun New" panose="020B0500040200020003" pitchFamily="34" charset="-34"/>
+              </a:rPr>
+              <a:t>height</a:t>
+            </a:r>
+            <a:r>
+              <a:rPr lang="th-TH" sz="2400" b="0" dirty="0">
+                <a:effectLst/>
+                <a:latin typeface="TH Sarabun New" panose="020B0500040200020003" pitchFamily="34" charset="-34"/>
+                <a:cs typeface="TH Sarabun New" panose="020B0500040200020003" pitchFamily="34" charset="-34"/>
+              </a:rPr>
+              <a:t> </a:t>
+            </a:r>
+            <a:r>
+              <a:rPr lang="th-TH" sz="2400" dirty="0">
+                <a:latin typeface="TH Sarabun New" panose="020B0500040200020003" pitchFamily="34" charset="-34"/>
+                <a:cs typeface="TH Sarabun New" panose="020B0500040200020003" pitchFamily="34" charset="-34"/>
+              </a:rPr>
+              <a:t>คือ ตำแหน่งที่ห่างกัน 1 หน่วย (แกน </a:t>
+            </a:r>
+            <a:r>
+              <a:rPr lang="en-US" sz="2400" dirty="0">
+                <a:latin typeface="TH Sarabun New" panose="020B0500040200020003" pitchFamily="34" charset="-34"/>
+                <a:cs typeface="TH Sarabun New" panose="020B0500040200020003" pitchFamily="34" charset="-34"/>
+              </a:rPr>
+              <a:t>x</a:t>
+            </a:r>
+            <a:r>
+              <a:rPr lang="th-TH" sz="2400" dirty="0">
+                <a:latin typeface="TH Sarabun New" panose="020B0500040200020003" pitchFamily="34" charset="-34"/>
+                <a:cs typeface="TH Sarabun New" panose="020B0500040200020003" pitchFamily="34" charset="-34"/>
+              </a:rPr>
+              <a:t>)</a:t>
+            </a:r>
+          </a:p>
+          <a:p>
+            <a:pPr marL="0" indent="0">
+              <a:buNone/>
+            </a:pPr>
+            <a:r>
+              <a:rPr lang="th-TH" sz="2400" b="0" dirty="0">
+                <a:effectLst/>
+                <a:latin typeface="TH Sarabun New" panose="020B0500040200020003" pitchFamily="34" charset="-34"/>
+                <a:cs typeface="TH Sarabun New" panose="020B0500040200020003" pitchFamily="34" charset="-34"/>
+              </a:rPr>
+              <a:t>จาก</a:t>
+            </a:r>
+            <a:r>
+              <a:rPr lang="th-TH" sz="2400" dirty="0">
+                <a:latin typeface="TH Sarabun New" panose="020B0500040200020003" pitchFamily="34" charset="-34"/>
+                <a:cs typeface="TH Sarabun New" panose="020B0500040200020003" pitchFamily="34" charset="-34"/>
+              </a:rPr>
+              <a:t>ตวามสูงที่กำหนดให้ สามารถเก็บน้ำได้มากที่สุดเท่าไหร่</a:t>
+            </a:r>
+          </a:p>
+          <a:p>
+            <a:pPr marL="0" indent="0">
+              <a:buNone/>
+            </a:pPr>
+            <a:r>
+              <a:rPr lang="en-US" sz="2400" b="1" dirty="0">
+                <a:effectLst/>
+                <a:latin typeface="TH Sarabun New" panose="020B0500040200020003" pitchFamily="34" charset="-34"/>
+                <a:cs typeface="TH Sarabun New" panose="020B0500040200020003" pitchFamily="34" charset="-34"/>
+              </a:rPr>
+              <a:t>Example:</a:t>
+            </a:r>
+          </a:p>
+          <a:p>
+            <a:pPr marL="0" indent="0">
+              <a:buNone/>
+            </a:pPr>
+            <a:r>
+              <a:rPr lang="en-US" sz="2400" b="0" dirty="0">
+                <a:effectLst/>
+                <a:latin typeface="TH Sarabun New" panose="020B0500040200020003" pitchFamily="34" charset="-34"/>
+                <a:cs typeface="TH Sarabun New" panose="020B0500040200020003" pitchFamily="34" charset="-34"/>
+              </a:rPr>
+              <a:t>height = [1, 8, 6, 2, 5, 4, 8, 3, 7] </a:t>
+            </a:r>
+            <a:endParaRPr lang="th-TH" sz="2400" dirty="0">
+              <a:latin typeface="TH Sarabun New" panose="020B0500040200020003" pitchFamily="34" charset="-34"/>
+              <a:cs typeface="TH Sarabun New" panose="020B0500040200020003" pitchFamily="34" charset="-34"/>
+            </a:endParaRPr>
+          </a:p>
+          <a:p>
+            <a:pPr marL="0" indent="0">
+              <a:buNone/>
+            </a:pPr>
+            <a:r>
+              <a:rPr lang="th-TH" sz="2400" b="0" dirty="0">
+                <a:effectLst/>
+                <a:latin typeface="TH Sarabun New" panose="020B0500040200020003" pitchFamily="34" charset="-34"/>
+                <a:cs typeface="TH Sarabun New" panose="020B0500040200020003" pitchFamily="34" charset="-34"/>
+              </a:rPr>
+              <a:t>จะได้ </a:t>
+            </a:r>
+            <a:r>
+              <a:rPr lang="en-US" sz="2400" b="0" dirty="0">
+                <a:effectLst/>
+                <a:latin typeface="TH Sarabun New" panose="020B0500040200020003" pitchFamily="34" charset="-34"/>
+                <a:cs typeface="TH Sarabun New" panose="020B0500040200020003" pitchFamily="34" charset="-34"/>
+              </a:rPr>
+              <a:t>max area = 49</a:t>
+            </a:r>
+            <a:endParaRPr lang="th-TH" sz="2400" b="0" dirty="0">
+              <a:effectLst/>
+              <a:latin typeface="TH Sarabun New" panose="020B0500040200020003" pitchFamily="34" charset="-34"/>
+              <a:cs typeface="TH Sarabun New" panose="020B0500040200020003" pitchFamily="34" charset="-34"/>
+            </a:endParaRPr>
+          </a:p>
+          <a:p>
+            <a:pPr marL="0" indent="0">
+              <a:buNone/>
+            </a:pPr>
+            <a:endParaRPr lang="en-US" sz="2400" b="0" dirty="0">
+              <a:effectLst/>
+              <a:latin typeface="TH Sarabun New" panose="020B0500040200020003" pitchFamily="34" charset="-34"/>
+              <a:cs typeface="TH Sarabun New" panose="020B0500040200020003" pitchFamily="34" charset="-34"/>
+            </a:endParaRPr>
+          </a:p>
+          <a:p>
+            <a:pPr marL="0" indent="0">
+              <a:buNone/>
+            </a:pPr>
+            <a:endParaRPr lang="en-US" sz="2400" b="0" dirty="0">
+              <a:effectLst/>
+              <a:latin typeface="TH Sarabun New" panose="020B0500040200020003" pitchFamily="34" charset="-34"/>
+              <a:cs typeface="TH Sarabun New" panose="020B0500040200020003" pitchFamily="34" charset="-34"/>
+            </a:endParaRPr>
+          </a:p>
+        </p:txBody>
+      </p:sp>
+      <p:sp>
+        <p:nvSpPr>
+          <p:cNvPr id="7" name="TextBox 6">
+            <a:extLst>
+              <a:ext uri="{FF2B5EF4-FFF2-40B4-BE49-F238E27FC236}">
+                <a16:creationId xmlns:a16="http://schemas.microsoft.com/office/drawing/2014/main" id="{E56C5AF0-C199-3C69-7EED-E3C6C6ADC360}"/>
+              </a:ext>
+            </a:extLst>
+          </p:cNvPr>
+          <p:cNvSpPr txBox="1"/>
+          <p:nvPr/>
+        </p:nvSpPr>
+        <p:spPr>
+          <a:xfrm>
+            <a:off x="6656770" y="1464711"/>
+            <a:ext cx="3850557" cy="461665"/>
+          </a:xfrm>
+          <a:prstGeom prst="rect">
+            <a:avLst/>
+          </a:prstGeom>
+          <a:noFill/>
+        </p:spPr>
+        <p:txBody>
+          <a:bodyPr wrap="square" rtlCol="0">
+            <a:spAutoFit/>
+          </a:bodyPr>
+          <a:lstStyle/>
+          <a:p>
+            <a:pPr algn="ctr"/>
+            <a:r>
+              <a:rPr lang="th-TH" sz="2400" b="1" dirty="0">
+                <a:latin typeface="TH Sarabun New" panose="020B0500040200020003" pitchFamily="34" charset="-34"/>
+                <a:cs typeface="TH Sarabun New" panose="020B0500040200020003" pitchFamily="34" charset="-34"/>
+              </a:rPr>
+              <a:t>ตัวอย่าง</a:t>
+            </a:r>
+            <a:endParaRPr lang="en-US" sz="2400" b="1" dirty="0">
+              <a:latin typeface="TH Sarabun New" panose="020B0500040200020003" pitchFamily="34" charset="-34"/>
+              <a:cs typeface="TH Sarabun New" panose="020B0500040200020003" pitchFamily="34" charset="-34"/>
+            </a:endParaRPr>
+          </a:p>
+        </p:txBody>
+      </p:sp>
+      <p:grpSp>
+        <p:nvGrpSpPr>
+          <p:cNvPr id="93" name="Group 92">
+            <a:extLst>
+              <a:ext uri="{FF2B5EF4-FFF2-40B4-BE49-F238E27FC236}">
+                <a16:creationId xmlns:a16="http://schemas.microsoft.com/office/drawing/2014/main" id="{6D145304-8B89-A2D8-22E1-49F20D34CC14}"/>
+              </a:ext>
+            </a:extLst>
+          </p:cNvPr>
+          <p:cNvGrpSpPr/>
+          <p:nvPr/>
+        </p:nvGrpSpPr>
+        <p:grpSpPr>
+          <a:xfrm>
+            <a:off x="6446436" y="2098725"/>
+            <a:ext cx="4271224" cy="3294564"/>
+            <a:chOff x="391160" y="3474266"/>
+            <a:chExt cx="4271224" cy="3294564"/>
+          </a:xfrm>
+        </p:grpSpPr>
+        <p:sp>
+          <p:nvSpPr>
+            <p:cNvPr id="76" name="Rectangle 75">
+              <a:extLst>
+                <a:ext uri="{FF2B5EF4-FFF2-40B4-BE49-F238E27FC236}">
+                  <a16:creationId xmlns:a16="http://schemas.microsoft.com/office/drawing/2014/main" id="{3807BBBB-6FBD-D82D-CF3F-C08C388A7BE3}"/>
+                </a:ext>
+              </a:extLst>
+            </p:cNvPr>
+            <p:cNvSpPr/>
+            <p:nvPr/>
+          </p:nvSpPr>
+          <p:spPr>
+            <a:xfrm>
+              <a:off x="1623008" y="4186432"/>
+              <a:ext cx="1757779" cy="1905829"/>
+            </a:xfrm>
+            <a:prstGeom prst="rect">
+              <a:avLst/>
+            </a:prstGeom>
+            <a:solidFill>
+              <a:schemeClr val="accent1">
+                <a:lumMod val="40000"/>
+                <a:lumOff val="60000"/>
+              </a:schemeClr>
+            </a:solidFill>
+          </p:spPr>
+          <p:style>
+            <a:lnRef idx="2">
+              <a:schemeClr val="accent1">
+                <a:shade val="50000"/>
+              </a:schemeClr>
+            </a:lnRef>
+            <a:fillRef idx="1">
+              <a:schemeClr val="accent1"/>
+            </a:fillRef>
+            <a:effectRef idx="0">
+              <a:schemeClr val="accent1"/>
+            </a:effectRef>
+            <a:fontRef idx="minor">
+              <a:schemeClr val="lt1"/>
+            </a:fontRef>
+          </p:style>
+          <p:txBody>
+            <a:bodyPr rtlCol="0" anchor="ctr"/>
+            <a:lstStyle/>
+            <a:p>
+              <a:pPr algn="ctr"/>
+              <a:endParaRPr lang="en-US"/>
+            </a:p>
+          </p:txBody>
+        </p:sp>
+        <p:grpSp>
+          <p:nvGrpSpPr>
+            <p:cNvPr id="66" name="Group 65">
+              <a:extLst>
+                <a:ext uri="{FF2B5EF4-FFF2-40B4-BE49-F238E27FC236}">
+                  <a16:creationId xmlns:a16="http://schemas.microsoft.com/office/drawing/2014/main" id="{D34544ED-B1D2-438F-7594-B7A085158ED8}"/>
+                </a:ext>
+              </a:extLst>
+            </p:cNvPr>
+            <p:cNvGrpSpPr/>
+            <p:nvPr/>
+          </p:nvGrpSpPr>
+          <p:grpSpPr>
+            <a:xfrm>
+              <a:off x="391160" y="3564977"/>
+              <a:ext cx="3488382" cy="3203853"/>
+              <a:chOff x="222485" y="3732687"/>
+              <a:chExt cx="3488382" cy="3203853"/>
+            </a:xfrm>
+          </p:grpSpPr>
+          <p:cxnSp>
+            <p:nvCxnSpPr>
+              <p:cNvPr id="10" name="Straight Connector 9">
+                <a:extLst>
+                  <a:ext uri="{FF2B5EF4-FFF2-40B4-BE49-F238E27FC236}">
+                    <a16:creationId xmlns:a16="http://schemas.microsoft.com/office/drawing/2014/main" id="{1DB9AD70-4D63-06C9-7801-6E66F98BF119}"/>
+                  </a:ext>
+                </a:extLst>
+              </p:cNvPr>
+              <p:cNvCxnSpPr>
+                <a:cxnSpLocks/>
+              </p:cNvCxnSpPr>
+              <p:nvPr/>
+            </p:nvCxnSpPr>
+            <p:spPr>
+              <a:xfrm flipV="1">
+                <a:off x="1229434" y="5980071"/>
+                <a:ext cx="0" cy="456196"/>
+              </a:xfrm>
+              <a:prstGeom prst="line">
+                <a:avLst/>
+              </a:prstGeom>
+            </p:spPr>
+            <p:style>
+              <a:lnRef idx="3">
+                <a:schemeClr val="accent2"/>
+              </a:lnRef>
+              <a:fillRef idx="0">
+                <a:schemeClr val="accent2"/>
+              </a:fillRef>
+              <a:effectRef idx="2">
+                <a:schemeClr val="accent2"/>
+              </a:effectRef>
+              <a:fontRef idx="minor">
+                <a:schemeClr val="tx1"/>
+              </a:fontRef>
+            </p:style>
+          </p:cxnSp>
+          <p:cxnSp>
+            <p:nvCxnSpPr>
+              <p:cNvPr id="12" name="Straight Connector 11">
+                <a:extLst>
+                  <a:ext uri="{FF2B5EF4-FFF2-40B4-BE49-F238E27FC236}">
+                    <a16:creationId xmlns:a16="http://schemas.microsoft.com/office/drawing/2014/main" id="{80ACFA75-EBDA-6DB5-C28E-24490FDFA9C0}"/>
+                  </a:ext>
+                </a:extLst>
+              </p:cNvPr>
+              <p:cNvCxnSpPr>
+                <a:cxnSpLocks/>
+              </p:cNvCxnSpPr>
+              <p:nvPr/>
+            </p:nvCxnSpPr>
+            <p:spPr>
+              <a:xfrm flipV="1">
+                <a:off x="1454334" y="4092138"/>
+                <a:ext cx="0" cy="2344129"/>
+              </a:xfrm>
+              <a:prstGeom prst="line">
+                <a:avLst/>
+              </a:prstGeom>
+              <a:ln w="57150">
+                <a:solidFill>
+                  <a:srgbClr val="FF0000"/>
+                </a:solidFill>
+              </a:ln>
+            </p:spPr>
+            <p:style>
+              <a:lnRef idx="3">
+                <a:schemeClr val="accent2"/>
+              </a:lnRef>
+              <a:fillRef idx="0">
+                <a:schemeClr val="accent2"/>
+              </a:fillRef>
+              <a:effectRef idx="2">
+                <a:schemeClr val="accent2"/>
+              </a:effectRef>
+              <a:fontRef idx="minor">
+                <a:schemeClr val="tx1"/>
+              </a:fontRef>
+            </p:style>
+          </p:cxnSp>
+          <p:cxnSp>
+            <p:nvCxnSpPr>
+              <p:cNvPr id="38" name="Straight Connector 37">
+                <a:extLst>
+                  <a:ext uri="{FF2B5EF4-FFF2-40B4-BE49-F238E27FC236}">
+                    <a16:creationId xmlns:a16="http://schemas.microsoft.com/office/drawing/2014/main" id="{233ADE2F-AA0F-C0CC-B450-C79C5C5B0DDA}"/>
+                  </a:ext>
+                </a:extLst>
+              </p:cNvPr>
+              <p:cNvCxnSpPr>
+                <a:cxnSpLocks/>
+              </p:cNvCxnSpPr>
+              <p:nvPr/>
+            </p:nvCxnSpPr>
+            <p:spPr>
+              <a:xfrm flipV="1">
+                <a:off x="1685154" y="4603984"/>
+                <a:ext cx="0" cy="1832283"/>
+              </a:xfrm>
+              <a:prstGeom prst="line">
+                <a:avLst/>
+              </a:prstGeom>
+            </p:spPr>
+            <p:style>
+              <a:lnRef idx="3">
+                <a:schemeClr val="accent2"/>
+              </a:lnRef>
+              <a:fillRef idx="0">
+                <a:schemeClr val="accent2"/>
+              </a:fillRef>
+              <a:effectRef idx="2">
+                <a:schemeClr val="accent2"/>
+              </a:effectRef>
+              <a:fontRef idx="minor">
+                <a:schemeClr val="tx1"/>
+              </a:fontRef>
+            </p:style>
+          </p:cxnSp>
+          <p:cxnSp>
+            <p:nvCxnSpPr>
+              <p:cNvPr id="40" name="Straight Connector 39">
+                <a:extLst>
+                  <a:ext uri="{FF2B5EF4-FFF2-40B4-BE49-F238E27FC236}">
+                    <a16:creationId xmlns:a16="http://schemas.microsoft.com/office/drawing/2014/main" id="{28153334-8B5F-6736-41F4-98EDCB568514}"/>
+                  </a:ext>
+                </a:extLst>
+              </p:cNvPr>
+              <p:cNvCxnSpPr>
+                <a:cxnSpLocks/>
+              </p:cNvCxnSpPr>
+              <p:nvPr/>
+            </p:nvCxnSpPr>
+            <p:spPr>
+              <a:xfrm flipV="1">
+                <a:off x="1924851" y="5696680"/>
+                <a:ext cx="0" cy="739587"/>
+              </a:xfrm>
+              <a:prstGeom prst="line">
+                <a:avLst/>
+              </a:prstGeom>
+            </p:spPr>
+            <p:style>
+              <a:lnRef idx="3">
+                <a:schemeClr val="accent2"/>
+              </a:lnRef>
+              <a:fillRef idx="0">
+                <a:schemeClr val="accent2"/>
+              </a:fillRef>
+              <a:effectRef idx="2">
+                <a:schemeClr val="accent2"/>
+              </a:effectRef>
+              <a:fontRef idx="minor">
+                <a:schemeClr val="tx1"/>
+              </a:fontRef>
+            </p:style>
+          </p:cxnSp>
+          <p:cxnSp>
+            <p:nvCxnSpPr>
+              <p:cNvPr id="42" name="Straight Connector 41">
+                <a:extLst>
+                  <a:ext uri="{FF2B5EF4-FFF2-40B4-BE49-F238E27FC236}">
+                    <a16:creationId xmlns:a16="http://schemas.microsoft.com/office/drawing/2014/main" id="{F4A0A2B4-63EF-B1CB-1AFD-8C031204022A}"/>
+                  </a:ext>
+                </a:extLst>
+              </p:cNvPr>
+              <p:cNvCxnSpPr>
+                <a:cxnSpLocks/>
+              </p:cNvCxnSpPr>
+              <p:nvPr/>
+            </p:nvCxnSpPr>
+            <p:spPr>
+              <a:xfrm flipV="1">
+                <a:off x="2155671" y="4887871"/>
+                <a:ext cx="0" cy="1548396"/>
+              </a:xfrm>
+              <a:prstGeom prst="line">
+                <a:avLst/>
+              </a:prstGeom>
+            </p:spPr>
+            <p:style>
+              <a:lnRef idx="3">
+                <a:schemeClr val="accent2"/>
+              </a:lnRef>
+              <a:fillRef idx="0">
+                <a:schemeClr val="accent2"/>
+              </a:fillRef>
+              <a:effectRef idx="2">
+                <a:schemeClr val="accent2"/>
+              </a:effectRef>
+              <a:fontRef idx="minor">
+                <a:schemeClr val="tx1"/>
+              </a:fontRef>
+            </p:style>
+          </p:cxnSp>
+          <p:cxnSp>
+            <p:nvCxnSpPr>
+              <p:cNvPr id="45" name="Straight Connector 44">
+                <a:extLst>
+                  <a:ext uri="{FF2B5EF4-FFF2-40B4-BE49-F238E27FC236}">
+                    <a16:creationId xmlns:a16="http://schemas.microsoft.com/office/drawing/2014/main" id="{DFB3CE1C-E112-728C-D972-A82835025215}"/>
+                  </a:ext>
+                </a:extLst>
+              </p:cNvPr>
+              <p:cNvCxnSpPr>
+                <a:cxnSpLocks/>
+              </p:cNvCxnSpPr>
+              <p:nvPr/>
+            </p:nvCxnSpPr>
+            <p:spPr>
+              <a:xfrm flipV="1">
+                <a:off x="2413124" y="5179275"/>
+                <a:ext cx="0" cy="1256992"/>
+              </a:xfrm>
+              <a:prstGeom prst="line">
+                <a:avLst/>
+              </a:prstGeom>
+            </p:spPr>
+            <p:style>
+              <a:lnRef idx="3">
+                <a:schemeClr val="accent2"/>
+              </a:lnRef>
+              <a:fillRef idx="0">
+                <a:schemeClr val="accent2"/>
+              </a:fillRef>
+              <a:effectRef idx="2">
+                <a:schemeClr val="accent2"/>
+              </a:effectRef>
+              <a:fontRef idx="minor">
+                <a:schemeClr val="tx1"/>
+              </a:fontRef>
+            </p:style>
+          </p:cxnSp>
+          <p:cxnSp>
+            <p:nvCxnSpPr>
+              <p:cNvPr id="47" name="Straight Connector 46">
+                <a:extLst>
+                  <a:ext uri="{FF2B5EF4-FFF2-40B4-BE49-F238E27FC236}">
+                    <a16:creationId xmlns:a16="http://schemas.microsoft.com/office/drawing/2014/main" id="{A7EA04F2-C2D8-E89A-F2FE-8D215C6523CD}"/>
+                  </a:ext>
+                </a:extLst>
+              </p:cNvPr>
+              <p:cNvCxnSpPr>
+                <a:cxnSpLocks/>
+              </p:cNvCxnSpPr>
+              <p:nvPr/>
+            </p:nvCxnSpPr>
+            <p:spPr>
+              <a:xfrm flipV="1">
+                <a:off x="2679454" y="4092138"/>
+                <a:ext cx="0" cy="2344129"/>
+              </a:xfrm>
+              <a:prstGeom prst="line">
+                <a:avLst/>
+              </a:prstGeom>
+              <a:ln/>
+            </p:spPr>
+            <p:style>
+              <a:lnRef idx="1">
+                <a:schemeClr val="accent2"/>
+              </a:lnRef>
+              <a:fillRef idx="0">
+                <a:schemeClr val="accent2"/>
+              </a:fillRef>
+              <a:effectRef idx="0">
+                <a:schemeClr val="accent2"/>
+              </a:effectRef>
+              <a:fontRef idx="minor">
+                <a:schemeClr val="tx1"/>
+              </a:fontRef>
+            </p:style>
+          </p:cxnSp>
+          <p:cxnSp>
+            <p:nvCxnSpPr>
+              <p:cNvPr id="49" name="Straight Connector 48">
+                <a:extLst>
+                  <a:ext uri="{FF2B5EF4-FFF2-40B4-BE49-F238E27FC236}">
+                    <a16:creationId xmlns:a16="http://schemas.microsoft.com/office/drawing/2014/main" id="{5CA0544C-4647-5515-9912-34A0A895E6AE}"/>
+                  </a:ext>
+                </a:extLst>
+              </p:cNvPr>
+              <p:cNvCxnSpPr>
+                <a:cxnSpLocks/>
+              </p:cNvCxnSpPr>
+              <p:nvPr/>
+            </p:nvCxnSpPr>
+            <p:spPr>
+              <a:xfrm flipV="1">
+                <a:off x="2928028" y="5448717"/>
+                <a:ext cx="0" cy="987550"/>
+              </a:xfrm>
+              <a:prstGeom prst="line">
+                <a:avLst/>
+              </a:prstGeom>
+            </p:spPr>
+            <p:style>
+              <a:lnRef idx="3">
+                <a:schemeClr val="accent2"/>
+              </a:lnRef>
+              <a:fillRef idx="0">
+                <a:schemeClr val="accent2"/>
+              </a:fillRef>
+              <a:effectRef idx="2">
+                <a:schemeClr val="accent2"/>
+              </a:effectRef>
+              <a:fontRef idx="minor">
+                <a:schemeClr val="tx1"/>
+              </a:fontRef>
+            </p:style>
+          </p:cxnSp>
+          <p:cxnSp>
+            <p:nvCxnSpPr>
+              <p:cNvPr id="51" name="Straight Connector 50">
+                <a:extLst>
+                  <a:ext uri="{FF2B5EF4-FFF2-40B4-BE49-F238E27FC236}">
+                    <a16:creationId xmlns:a16="http://schemas.microsoft.com/office/drawing/2014/main" id="{BD8B0FF3-EA92-F4E2-88E1-7150B8482496}"/>
+                  </a:ext>
+                </a:extLst>
+              </p:cNvPr>
+              <p:cNvCxnSpPr>
+                <a:cxnSpLocks/>
+              </p:cNvCxnSpPr>
+              <p:nvPr/>
+            </p:nvCxnSpPr>
+            <p:spPr>
+              <a:xfrm flipV="1">
+                <a:off x="3212113" y="4354143"/>
+                <a:ext cx="0" cy="2082124"/>
+              </a:xfrm>
+              <a:prstGeom prst="line">
+                <a:avLst/>
+              </a:prstGeom>
+              <a:ln w="57150">
+                <a:solidFill>
+                  <a:srgbClr val="FF0000"/>
+                </a:solidFill>
+              </a:ln>
+            </p:spPr>
+            <p:style>
+              <a:lnRef idx="3">
+                <a:schemeClr val="accent2"/>
+              </a:lnRef>
+              <a:fillRef idx="0">
+                <a:schemeClr val="accent2"/>
+              </a:fillRef>
+              <a:effectRef idx="2">
+                <a:schemeClr val="accent2"/>
+              </a:effectRef>
+              <a:fontRef idx="minor">
+                <a:schemeClr val="tx1"/>
+              </a:fontRef>
+            </p:style>
+          </p:cxnSp>
+          <p:grpSp>
+            <p:nvGrpSpPr>
+              <p:cNvPr id="63" name="Group 62">
+                <a:extLst>
+                  <a:ext uri="{FF2B5EF4-FFF2-40B4-BE49-F238E27FC236}">
+                    <a16:creationId xmlns:a16="http://schemas.microsoft.com/office/drawing/2014/main" id="{456F4B7C-11A8-1D3E-11C6-31C1612CFE90}"/>
+                  </a:ext>
+                </a:extLst>
+              </p:cNvPr>
+              <p:cNvGrpSpPr/>
+              <p:nvPr/>
+            </p:nvGrpSpPr>
+            <p:grpSpPr>
+              <a:xfrm>
+                <a:off x="533417" y="3732687"/>
+                <a:ext cx="3177450" cy="2935241"/>
+                <a:chOff x="533417" y="3732687"/>
+                <a:chExt cx="3177450" cy="2935241"/>
+              </a:xfrm>
+            </p:grpSpPr>
+            <p:grpSp>
+              <p:nvGrpSpPr>
+                <p:cNvPr id="34" name="Group 33">
+                  <a:extLst>
+                    <a:ext uri="{FF2B5EF4-FFF2-40B4-BE49-F238E27FC236}">
+                      <a16:creationId xmlns:a16="http://schemas.microsoft.com/office/drawing/2014/main" id="{0E114906-A95C-053B-512E-104B0CA807FB}"/>
+                    </a:ext>
+                  </a:extLst>
+                </p:cNvPr>
+                <p:cNvGrpSpPr/>
+                <p:nvPr/>
+              </p:nvGrpSpPr>
+              <p:grpSpPr>
+                <a:xfrm>
+                  <a:off x="533417" y="3732687"/>
+                  <a:ext cx="3177450" cy="2679700"/>
+                  <a:chOff x="533417" y="3848100"/>
+                  <a:chExt cx="3177450" cy="2679700"/>
+                </a:xfrm>
+              </p:grpSpPr>
+              <p:cxnSp>
+                <p:nvCxnSpPr>
+                  <p:cNvPr id="5" name="Straight Connector 4">
+                    <a:extLst>
+                      <a:ext uri="{FF2B5EF4-FFF2-40B4-BE49-F238E27FC236}">
+                        <a16:creationId xmlns:a16="http://schemas.microsoft.com/office/drawing/2014/main" id="{AA8BBC22-C098-17D1-7911-29C508662A28}"/>
+                      </a:ext>
+                    </a:extLst>
+                  </p:cNvPr>
+                  <p:cNvCxnSpPr>
+                    <a:cxnSpLocks/>
+                  </p:cNvCxnSpPr>
+                  <p:nvPr/>
+                </p:nvCxnSpPr>
+                <p:spPr>
+                  <a:xfrm>
+                    <a:off x="838200" y="6375400"/>
+                    <a:ext cx="2872667" cy="0"/>
+                  </a:xfrm>
+                  <a:prstGeom prst="line">
+                    <a:avLst/>
+                  </a:prstGeom>
+                </p:spPr>
+                <p:style>
+                  <a:lnRef idx="3">
+                    <a:schemeClr val="dk1"/>
+                  </a:lnRef>
+                  <a:fillRef idx="0">
+                    <a:schemeClr val="dk1"/>
+                  </a:fillRef>
+                  <a:effectRef idx="2">
+                    <a:schemeClr val="dk1"/>
+                  </a:effectRef>
+                  <a:fontRef idx="minor">
+                    <a:schemeClr val="tx1"/>
+                  </a:fontRef>
+                </p:style>
+              </p:cxnSp>
+              <p:cxnSp>
+                <p:nvCxnSpPr>
+                  <p:cNvPr id="8" name="Straight Connector 7">
+                    <a:extLst>
+                      <a:ext uri="{FF2B5EF4-FFF2-40B4-BE49-F238E27FC236}">
+                        <a16:creationId xmlns:a16="http://schemas.microsoft.com/office/drawing/2014/main" id="{B41B9F7A-AA7E-3F1C-74DC-E00025A2A027}"/>
+                      </a:ext>
+                    </a:extLst>
+                  </p:cNvPr>
+                  <p:cNvCxnSpPr>
+                    <a:cxnSpLocks/>
+                  </p:cNvCxnSpPr>
+                  <p:nvPr/>
+                </p:nvCxnSpPr>
+                <p:spPr>
+                  <a:xfrm flipV="1">
+                    <a:off x="990600" y="3848100"/>
+                    <a:ext cx="0" cy="2679700"/>
+                  </a:xfrm>
+                  <a:prstGeom prst="line">
+                    <a:avLst/>
+                  </a:prstGeom>
+                </p:spPr>
+                <p:style>
+                  <a:lnRef idx="3">
+                    <a:schemeClr val="dk1"/>
+                  </a:lnRef>
+                  <a:fillRef idx="0">
+                    <a:schemeClr val="dk1"/>
+                  </a:fillRef>
+                  <a:effectRef idx="2">
+                    <a:schemeClr val="dk1"/>
+                  </a:effectRef>
+                  <a:fontRef idx="minor">
+                    <a:schemeClr val="tx1"/>
+                  </a:fontRef>
+                </p:style>
+              </p:cxnSp>
+              <p:sp>
+                <p:nvSpPr>
+                  <p:cNvPr id="14" name="TextBox 13">
+                    <a:extLst>
+                      <a:ext uri="{FF2B5EF4-FFF2-40B4-BE49-F238E27FC236}">
+                        <a16:creationId xmlns:a16="http://schemas.microsoft.com/office/drawing/2014/main" id="{6E2EE8AC-4620-6452-40F3-843B1C0A6BA4}"/>
+                      </a:ext>
+                    </a:extLst>
+                  </p:cNvPr>
+                  <p:cNvSpPr txBox="1"/>
+                  <p:nvPr/>
+                </p:nvSpPr>
+                <p:spPr>
+                  <a:xfrm>
+                    <a:off x="533417" y="5910818"/>
+                    <a:ext cx="406392" cy="369332"/>
+                  </a:xfrm>
+                  <a:prstGeom prst="rect">
+                    <a:avLst/>
+                  </a:prstGeom>
+                  <a:noFill/>
+                </p:spPr>
+                <p:txBody>
+                  <a:bodyPr wrap="square" rtlCol="0">
+                    <a:spAutoFit/>
+                  </a:bodyPr>
+                  <a:lstStyle/>
+                  <a:p>
+                    <a:r>
+                      <a:rPr lang="en-US" dirty="0"/>
+                      <a:t>1</a:t>
+                    </a:r>
+                  </a:p>
+                </p:txBody>
+              </p:sp>
+              <p:sp>
+                <p:nvSpPr>
+                  <p:cNvPr id="15" name="TextBox 14">
+                    <a:extLst>
+                      <a:ext uri="{FF2B5EF4-FFF2-40B4-BE49-F238E27FC236}">
+                        <a16:creationId xmlns:a16="http://schemas.microsoft.com/office/drawing/2014/main" id="{E7716508-B392-EF40-0569-819271E56CE4}"/>
+                      </a:ext>
+                    </a:extLst>
+                  </p:cNvPr>
+                  <p:cNvSpPr txBox="1"/>
+                  <p:nvPr/>
+                </p:nvSpPr>
+                <p:spPr>
+                  <a:xfrm>
+                    <a:off x="533417" y="5630902"/>
+                    <a:ext cx="406392" cy="369332"/>
+                  </a:xfrm>
+                  <a:prstGeom prst="rect">
+                    <a:avLst/>
+                  </a:prstGeom>
+                  <a:noFill/>
+                </p:spPr>
+                <p:txBody>
+                  <a:bodyPr wrap="square" rtlCol="0">
+                    <a:spAutoFit/>
+                  </a:bodyPr>
+                  <a:lstStyle/>
+                  <a:p>
+                    <a:r>
+                      <a:rPr lang="en-US" dirty="0"/>
+                      <a:t>2</a:t>
+                    </a:r>
+                  </a:p>
+                </p:txBody>
+              </p:sp>
+              <p:sp>
+                <p:nvSpPr>
+                  <p:cNvPr id="16" name="TextBox 15">
+                    <a:extLst>
+                      <a:ext uri="{FF2B5EF4-FFF2-40B4-BE49-F238E27FC236}">
+                        <a16:creationId xmlns:a16="http://schemas.microsoft.com/office/drawing/2014/main" id="{BB03D895-AB74-4E11-F414-17688EF598C6}"/>
+                      </a:ext>
+                    </a:extLst>
+                  </p:cNvPr>
+                  <p:cNvSpPr txBox="1"/>
+                  <p:nvPr/>
+                </p:nvSpPr>
+                <p:spPr>
+                  <a:xfrm>
+                    <a:off x="534016" y="5379464"/>
+                    <a:ext cx="406392" cy="369332"/>
+                  </a:xfrm>
+                  <a:prstGeom prst="rect">
+                    <a:avLst/>
+                  </a:prstGeom>
+                  <a:noFill/>
+                </p:spPr>
+                <p:txBody>
+                  <a:bodyPr wrap="square" rtlCol="0">
+                    <a:spAutoFit/>
+                  </a:bodyPr>
+                  <a:lstStyle/>
+                  <a:p>
+                    <a:r>
+                      <a:rPr lang="en-US" dirty="0"/>
+                      <a:t>3</a:t>
+                    </a:r>
+                  </a:p>
+                </p:txBody>
+              </p:sp>
+              <p:sp>
+                <p:nvSpPr>
+                  <p:cNvPr id="17" name="TextBox 16">
+                    <a:extLst>
+                      <a:ext uri="{FF2B5EF4-FFF2-40B4-BE49-F238E27FC236}">
+                        <a16:creationId xmlns:a16="http://schemas.microsoft.com/office/drawing/2014/main" id="{6DAEF531-97E0-C8BA-1D81-DCD8EF08C884}"/>
+                      </a:ext>
+                    </a:extLst>
+                  </p:cNvPr>
+                  <p:cNvSpPr txBox="1"/>
+                  <p:nvPr/>
+                </p:nvSpPr>
+                <p:spPr>
+                  <a:xfrm>
+                    <a:off x="533417" y="5094436"/>
+                    <a:ext cx="406392" cy="369332"/>
+                  </a:xfrm>
+                  <a:prstGeom prst="rect">
+                    <a:avLst/>
+                  </a:prstGeom>
+                  <a:noFill/>
+                </p:spPr>
+                <p:txBody>
+                  <a:bodyPr wrap="square" rtlCol="0">
+                    <a:spAutoFit/>
+                  </a:bodyPr>
+                  <a:lstStyle/>
+                  <a:p>
+                    <a:r>
+                      <a:rPr lang="en-US" dirty="0"/>
+                      <a:t>4</a:t>
+                    </a:r>
+                  </a:p>
+                </p:txBody>
+              </p:sp>
+              <p:sp>
+                <p:nvSpPr>
+                  <p:cNvPr id="18" name="TextBox 17">
+                    <a:extLst>
+                      <a:ext uri="{FF2B5EF4-FFF2-40B4-BE49-F238E27FC236}">
+                        <a16:creationId xmlns:a16="http://schemas.microsoft.com/office/drawing/2014/main" id="{1BC59F9A-8F1B-0D80-4A23-D71BB598B495}"/>
+                      </a:ext>
+                    </a:extLst>
+                  </p:cNvPr>
+                  <p:cNvSpPr txBox="1"/>
+                  <p:nvPr/>
+                </p:nvSpPr>
+                <p:spPr>
+                  <a:xfrm>
+                    <a:off x="546107" y="4818618"/>
+                    <a:ext cx="406392" cy="369332"/>
+                  </a:xfrm>
+                  <a:prstGeom prst="rect">
+                    <a:avLst/>
+                  </a:prstGeom>
+                  <a:noFill/>
+                </p:spPr>
+                <p:txBody>
+                  <a:bodyPr wrap="square" rtlCol="0">
+                    <a:spAutoFit/>
+                  </a:bodyPr>
+                  <a:lstStyle/>
+                  <a:p>
+                    <a:r>
+                      <a:rPr lang="en-US" dirty="0"/>
+                      <a:t>5</a:t>
+                    </a:r>
+                  </a:p>
+                </p:txBody>
+              </p:sp>
+              <p:sp>
+                <p:nvSpPr>
+                  <p:cNvPr id="19" name="TextBox 18">
+                    <a:extLst>
+                      <a:ext uri="{FF2B5EF4-FFF2-40B4-BE49-F238E27FC236}">
+                        <a16:creationId xmlns:a16="http://schemas.microsoft.com/office/drawing/2014/main" id="{CBB09E33-F3D0-B910-63BE-06C4FB7E0492}"/>
+                      </a:ext>
+                    </a:extLst>
+                  </p:cNvPr>
+                  <p:cNvSpPr txBox="1"/>
+                  <p:nvPr/>
+                </p:nvSpPr>
+                <p:spPr>
+                  <a:xfrm>
+                    <a:off x="546107" y="4534731"/>
+                    <a:ext cx="406392" cy="369332"/>
+                  </a:xfrm>
+                  <a:prstGeom prst="rect">
+                    <a:avLst/>
+                  </a:prstGeom>
+                  <a:noFill/>
+                </p:spPr>
+                <p:txBody>
+                  <a:bodyPr wrap="square" rtlCol="0">
+                    <a:spAutoFit/>
+                  </a:bodyPr>
+                  <a:lstStyle/>
+                  <a:p>
+                    <a:r>
+                      <a:rPr lang="en-US" dirty="0"/>
+                      <a:t>6</a:t>
+                    </a:r>
+                  </a:p>
+                </p:txBody>
+              </p:sp>
+              <p:sp>
+                <p:nvSpPr>
+                  <p:cNvPr id="21" name="TextBox 20">
+                    <a:extLst>
+                      <a:ext uri="{FF2B5EF4-FFF2-40B4-BE49-F238E27FC236}">
+                        <a16:creationId xmlns:a16="http://schemas.microsoft.com/office/drawing/2014/main" id="{0EBB31A3-8A24-CB3D-8069-621C0DF04129}"/>
+                      </a:ext>
+                    </a:extLst>
+                  </p:cNvPr>
+                  <p:cNvSpPr txBox="1"/>
+                  <p:nvPr/>
+                </p:nvSpPr>
+                <p:spPr>
+                  <a:xfrm>
+                    <a:off x="546107" y="4284890"/>
+                    <a:ext cx="406392" cy="369332"/>
+                  </a:xfrm>
+                  <a:prstGeom prst="rect">
+                    <a:avLst/>
+                  </a:prstGeom>
+                  <a:noFill/>
+                </p:spPr>
+                <p:txBody>
+                  <a:bodyPr wrap="square" rtlCol="0">
+                    <a:spAutoFit/>
+                  </a:bodyPr>
+                  <a:lstStyle/>
+                  <a:p>
+                    <a:r>
+                      <a:rPr lang="en-US" dirty="0"/>
+                      <a:t>7</a:t>
+                    </a:r>
+                  </a:p>
+                </p:txBody>
+              </p:sp>
+              <p:sp>
+                <p:nvSpPr>
+                  <p:cNvPr id="24" name="TextBox 23">
+                    <a:extLst>
+                      <a:ext uri="{FF2B5EF4-FFF2-40B4-BE49-F238E27FC236}">
+                        <a16:creationId xmlns:a16="http://schemas.microsoft.com/office/drawing/2014/main" id="{4A284032-A487-0F72-83D8-F09D378A3613}"/>
+                      </a:ext>
+                    </a:extLst>
+                  </p:cNvPr>
+                  <p:cNvSpPr txBox="1"/>
+                  <p:nvPr/>
+                </p:nvSpPr>
+                <p:spPr>
+                  <a:xfrm>
+                    <a:off x="546107" y="4022885"/>
+                    <a:ext cx="406392" cy="369332"/>
+                  </a:xfrm>
+                  <a:prstGeom prst="rect">
+                    <a:avLst/>
+                  </a:prstGeom>
+                  <a:noFill/>
+                </p:spPr>
+                <p:txBody>
+                  <a:bodyPr wrap="square" rtlCol="0">
+                    <a:spAutoFit/>
+                  </a:bodyPr>
+                  <a:lstStyle/>
+                  <a:p>
+                    <a:r>
+                      <a:rPr lang="en-US" dirty="0"/>
+                      <a:t>8</a:t>
+                    </a:r>
+                  </a:p>
+                </p:txBody>
+              </p:sp>
+              <p:cxnSp>
+                <p:nvCxnSpPr>
+                  <p:cNvPr id="26" name="Straight Connector 25">
+                    <a:extLst>
+                      <a:ext uri="{FF2B5EF4-FFF2-40B4-BE49-F238E27FC236}">
+                        <a16:creationId xmlns:a16="http://schemas.microsoft.com/office/drawing/2014/main" id="{CB345676-08C7-131F-CAA6-48FB938AF3C2}"/>
+                      </a:ext>
+                    </a:extLst>
+                  </p:cNvPr>
+                  <p:cNvCxnSpPr>
+                    <a:cxnSpLocks/>
+                    <a:stCxn id="14" idx="3"/>
+                  </p:cNvCxnSpPr>
+                  <p:nvPr/>
+                </p:nvCxnSpPr>
+                <p:spPr>
+                  <a:xfrm>
+                    <a:off x="939809" y="6095484"/>
+                    <a:ext cx="2771058" cy="0"/>
+                  </a:xfrm>
+                  <a:prstGeom prst="line">
+                    <a:avLst/>
+                  </a:prstGeom>
+                  <a:ln>
+                    <a:prstDash val="dash"/>
+                  </a:ln>
+                </p:spPr>
+                <p:style>
+                  <a:lnRef idx="1">
+                    <a:schemeClr val="accent1"/>
+                  </a:lnRef>
+                  <a:fillRef idx="0">
+                    <a:schemeClr val="accent1"/>
+                  </a:fillRef>
+                  <a:effectRef idx="0">
+                    <a:schemeClr val="accent1"/>
+                  </a:effectRef>
+                  <a:fontRef idx="minor">
+                    <a:schemeClr val="tx1"/>
+                  </a:fontRef>
+                </p:style>
+              </p:cxnSp>
+              <p:cxnSp>
+                <p:nvCxnSpPr>
+                  <p:cNvPr id="27" name="Straight Connector 26">
+                    <a:extLst>
+                      <a:ext uri="{FF2B5EF4-FFF2-40B4-BE49-F238E27FC236}">
+                        <a16:creationId xmlns:a16="http://schemas.microsoft.com/office/drawing/2014/main" id="{09332573-F32A-6981-FABA-7A41FE8381A0}"/>
+                      </a:ext>
+                    </a:extLst>
+                  </p:cNvPr>
+                  <p:cNvCxnSpPr>
+                    <a:cxnSpLocks/>
+                  </p:cNvCxnSpPr>
+                  <p:nvPr/>
+                </p:nvCxnSpPr>
+                <p:spPr>
+                  <a:xfrm>
+                    <a:off x="939809" y="5812093"/>
+                    <a:ext cx="2771058" cy="0"/>
+                  </a:xfrm>
+                  <a:prstGeom prst="line">
+                    <a:avLst/>
+                  </a:prstGeom>
+                  <a:ln>
+                    <a:prstDash val="dash"/>
+                  </a:ln>
+                </p:spPr>
+                <p:style>
+                  <a:lnRef idx="1">
+                    <a:schemeClr val="accent1"/>
+                  </a:lnRef>
+                  <a:fillRef idx="0">
+                    <a:schemeClr val="accent1"/>
+                  </a:fillRef>
+                  <a:effectRef idx="0">
+                    <a:schemeClr val="accent1"/>
+                  </a:effectRef>
+                  <a:fontRef idx="minor">
+                    <a:schemeClr val="tx1"/>
+                  </a:fontRef>
+                </p:style>
+              </p:cxnSp>
+              <p:cxnSp>
+                <p:nvCxnSpPr>
+                  <p:cNvPr id="28" name="Straight Connector 27">
+                    <a:extLst>
+                      <a:ext uri="{FF2B5EF4-FFF2-40B4-BE49-F238E27FC236}">
+                        <a16:creationId xmlns:a16="http://schemas.microsoft.com/office/drawing/2014/main" id="{BC3765F1-C121-70D7-7FF5-9D8F0257603D}"/>
+                      </a:ext>
+                    </a:extLst>
+                  </p:cNvPr>
+                  <p:cNvCxnSpPr>
+                    <a:cxnSpLocks/>
+                  </p:cNvCxnSpPr>
+                  <p:nvPr/>
+                </p:nvCxnSpPr>
+                <p:spPr>
+                  <a:xfrm>
+                    <a:off x="939809" y="5564130"/>
+                    <a:ext cx="2771058" cy="0"/>
+                  </a:xfrm>
+                  <a:prstGeom prst="line">
+                    <a:avLst/>
+                  </a:prstGeom>
+                  <a:ln>
+                    <a:prstDash val="dash"/>
+                  </a:ln>
+                </p:spPr>
+                <p:style>
+                  <a:lnRef idx="1">
+                    <a:schemeClr val="accent1"/>
+                  </a:lnRef>
+                  <a:fillRef idx="0">
+                    <a:schemeClr val="accent1"/>
+                  </a:fillRef>
+                  <a:effectRef idx="0">
+                    <a:schemeClr val="accent1"/>
+                  </a:effectRef>
+                  <a:fontRef idx="minor">
+                    <a:schemeClr val="tx1"/>
+                  </a:fontRef>
+                </p:style>
+              </p:cxnSp>
+              <p:cxnSp>
+                <p:nvCxnSpPr>
+                  <p:cNvPr id="29" name="Straight Connector 28">
+                    <a:extLst>
+                      <a:ext uri="{FF2B5EF4-FFF2-40B4-BE49-F238E27FC236}">
+                        <a16:creationId xmlns:a16="http://schemas.microsoft.com/office/drawing/2014/main" id="{64845821-2714-BDF2-DD09-D4CC4B3D56A2}"/>
+                      </a:ext>
+                    </a:extLst>
+                  </p:cNvPr>
+                  <p:cNvCxnSpPr>
+                    <a:cxnSpLocks/>
+                  </p:cNvCxnSpPr>
+                  <p:nvPr/>
+                </p:nvCxnSpPr>
+                <p:spPr>
+                  <a:xfrm>
+                    <a:off x="939809" y="5294688"/>
+                    <a:ext cx="2771058" cy="0"/>
+                  </a:xfrm>
+                  <a:prstGeom prst="line">
+                    <a:avLst/>
+                  </a:prstGeom>
+                  <a:ln>
+                    <a:prstDash val="dash"/>
+                  </a:ln>
+                </p:spPr>
+                <p:style>
+                  <a:lnRef idx="1">
+                    <a:schemeClr val="accent1"/>
+                  </a:lnRef>
+                  <a:fillRef idx="0">
+                    <a:schemeClr val="accent1"/>
+                  </a:fillRef>
+                  <a:effectRef idx="0">
+                    <a:schemeClr val="accent1"/>
+                  </a:effectRef>
+                  <a:fontRef idx="minor">
+                    <a:schemeClr val="tx1"/>
+                  </a:fontRef>
+                </p:style>
+              </p:cxnSp>
+              <p:cxnSp>
+                <p:nvCxnSpPr>
+                  <p:cNvPr id="30" name="Straight Connector 29">
+                    <a:extLst>
+                      <a:ext uri="{FF2B5EF4-FFF2-40B4-BE49-F238E27FC236}">
+                        <a16:creationId xmlns:a16="http://schemas.microsoft.com/office/drawing/2014/main" id="{C64507CD-81C9-7911-32DF-9C455D2BB337}"/>
+                      </a:ext>
+                    </a:extLst>
+                  </p:cNvPr>
+                  <p:cNvCxnSpPr>
+                    <a:cxnSpLocks/>
+                  </p:cNvCxnSpPr>
+                  <p:nvPr/>
+                </p:nvCxnSpPr>
+                <p:spPr>
+                  <a:xfrm>
+                    <a:off x="939809" y="5003284"/>
+                    <a:ext cx="2771058" cy="0"/>
+                  </a:xfrm>
+                  <a:prstGeom prst="line">
+                    <a:avLst/>
+                  </a:prstGeom>
+                  <a:ln>
+                    <a:prstDash val="dash"/>
+                  </a:ln>
+                </p:spPr>
+                <p:style>
+                  <a:lnRef idx="1">
+                    <a:schemeClr val="accent1"/>
+                  </a:lnRef>
+                  <a:fillRef idx="0">
+                    <a:schemeClr val="accent1"/>
+                  </a:fillRef>
+                  <a:effectRef idx="0">
+                    <a:schemeClr val="accent1"/>
+                  </a:effectRef>
+                  <a:fontRef idx="minor">
+                    <a:schemeClr val="tx1"/>
+                  </a:fontRef>
+                </p:style>
+              </p:cxnSp>
+              <p:cxnSp>
+                <p:nvCxnSpPr>
+                  <p:cNvPr id="31" name="Straight Connector 30">
+                    <a:extLst>
+                      <a:ext uri="{FF2B5EF4-FFF2-40B4-BE49-F238E27FC236}">
+                        <a16:creationId xmlns:a16="http://schemas.microsoft.com/office/drawing/2014/main" id="{A8A58D46-B1D1-2AE5-3B3D-4AD508F35BB6}"/>
+                      </a:ext>
+                    </a:extLst>
+                  </p:cNvPr>
+                  <p:cNvCxnSpPr>
+                    <a:cxnSpLocks/>
+                  </p:cNvCxnSpPr>
+                  <p:nvPr/>
+                </p:nvCxnSpPr>
+                <p:spPr>
+                  <a:xfrm>
+                    <a:off x="939809" y="4719397"/>
+                    <a:ext cx="2771058" cy="0"/>
+                  </a:xfrm>
+                  <a:prstGeom prst="line">
+                    <a:avLst/>
+                  </a:prstGeom>
+                  <a:ln>
+                    <a:prstDash val="dash"/>
+                  </a:ln>
+                </p:spPr>
+                <p:style>
+                  <a:lnRef idx="1">
+                    <a:schemeClr val="accent1"/>
+                  </a:lnRef>
+                  <a:fillRef idx="0">
+                    <a:schemeClr val="accent1"/>
+                  </a:fillRef>
+                  <a:effectRef idx="0">
+                    <a:schemeClr val="accent1"/>
+                  </a:effectRef>
+                  <a:fontRef idx="minor">
+                    <a:schemeClr val="tx1"/>
+                  </a:fontRef>
+                </p:style>
+              </p:cxnSp>
+              <p:cxnSp>
+                <p:nvCxnSpPr>
+                  <p:cNvPr id="32" name="Straight Connector 31">
+                    <a:extLst>
+                      <a:ext uri="{FF2B5EF4-FFF2-40B4-BE49-F238E27FC236}">
+                        <a16:creationId xmlns:a16="http://schemas.microsoft.com/office/drawing/2014/main" id="{41E9A7E8-6898-8D29-5987-05029D34F873}"/>
+                      </a:ext>
+                    </a:extLst>
+                  </p:cNvPr>
+                  <p:cNvCxnSpPr>
+                    <a:cxnSpLocks/>
+                  </p:cNvCxnSpPr>
+                  <p:nvPr/>
+                </p:nvCxnSpPr>
+                <p:spPr>
+                  <a:xfrm>
+                    <a:off x="939809" y="4457700"/>
+                    <a:ext cx="2771058" cy="0"/>
+                  </a:xfrm>
+                  <a:prstGeom prst="line">
+                    <a:avLst/>
+                  </a:prstGeom>
+                  <a:ln>
+                    <a:prstDash val="dash"/>
+                  </a:ln>
+                </p:spPr>
+                <p:style>
+                  <a:lnRef idx="1">
+                    <a:schemeClr val="accent1"/>
+                  </a:lnRef>
+                  <a:fillRef idx="0">
+                    <a:schemeClr val="accent1"/>
+                  </a:fillRef>
+                  <a:effectRef idx="0">
+                    <a:schemeClr val="accent1"/>
+                  </a:effectRef>
+                  <a:fontRef idx="minor">
+                    <a:schemeClr val="tx1"/>
+                  </a:fontRef>
+                </p:style>
+              </p:cxnSp>
+              <p:cxnSp>
+                <p:nvCxnSpPr>
+                  <p:cNvPr id="33" name="Straight Connector 32">
+                    <a:extLst>
+                      <a:ext uri="{FF2B5EF4-FFF2-40B4-BE49-F238E27FC236}">
+                        <a16:creationId xmlns:a16="http://schemas.microsoft.com/office/drawing/2014/main" id="{03A2BE99-C510-9356-6934-43AD82B8188C}"/>
+                      </a:ext>
+                    </a:extLst>
+                  </p:cNvPr>
+                  <p:cNvCxnSpPr>
+                    <a:cxnSpLocks/>
+                  </p:cNvCxnSpPr>
+                  <p:nvPr/>
+                </p:nvCxnSpPr>
+                <p:spPr>
+                  <a:xfrm>
+                    <a:off x="939809" y="4207551"/>
+                    <a:ext cx="2771058" cy="0"/>
+                  </a:xfrm>
+                  <a:prstGeom prst="line">
+                    <a:avLst/>
+                  </a:prstGeom>
+                  <a:ln>
+                    <a:prstDash val="dash"/>
+                  </a:ln>
+                </p:spPr>
+                <p:style>
+                  <a:lnRef idx="1">
+                    <a:schemeClr val="accent1"/>
+                  </a:lnRef>
+                  <a:fillRef idx="0">
+                    <a:schemeClr val="accent1"/>
+                  </a:fillRef>
+                  <a:effectRef idx="0">
+                    <a:schemeClr val="accent1"/>
+                  </a:effectRef>
+                  <a:fontRef idx="minor">
+                    <a:schemeClr val="tx1"/>
+                  </a:fontRef>
+                </p:style>
+              </p:cxnSp>
+            </p:grpSp>
+            <p:sp>
+              <p:nvSpPr>
+                <p:cNvPr id="54" name="TextBox 53">
+                  <a:extLst>
+                    <a:ext uri="{FF2B5EF4-FFF2-40B4-BE49-F238E27FC236}">
+                      <a16:creationId xmlns:a16="http://schemas.microsoft.com/office/drawing/2014/main" id="{FF9454B5-D85A-1395-8CA8-CD89CC8E8360}"/>
+                    </a:ext>
+                  </a:extLst>
+                </p:cNvPr>
+                <p:cNvSpPr txBox="1"/>
+                <p:nvPr/>
+              </p:nvSpPr>
+              <p:spPr>
+                <a:xfrm>
+                  <a:off x="1102374" y="6390929"/>
+                  <a:ext cx="309111" cy="276999"/>
+                </a:xfrm>
+                <a:prstGeom prst="rect">
+                  <a:avLst/>
+                </a:prstGeom>
+                <a:noFill/>
+              </p:spPr>
+              <p:txBody>
+                <a:bodyPr wrap="square" rtlCol="0">
+                  <a:spAutoFit/>
+                </a:bodyPr>
+                <a:lstStyle/>
+                <a:p>
+                  <a:r>
+                    <a:rPr lang="en-US" sz="1200" dirty="0"/>
+                    <a:t>0</a:t>
+                  </a:r>
+                </a:p>
+              </p:txBody>
+            </p:sp>
+            <p:sp>
+              <p:nvSpPr>
+                <p:cNvPr id="55" name="TextBox 54">
+                  <a:extLst>
+                    <a:ext uri="{FF2B5EF4-FFF2-40B4-BE49-F238E27FC236}">
+                      <a16:creationId xmlns:a16="http://schemas.microsoft.com/office/drawing/2014/main" id="{2DAD764C-FB26-672A-3414-EE51CD277CC1}"/>
+                    </a:ext>
+                  </a:extLst>
+                </p:cNvPr>
+                <p:cNvSpPr txBox="1"/>
+                <p:nvPr/>
+              </p:nvSpPr>
+              <p:spPr>
+                <a:xfrm>
+                  <a:off x="1313902" y="6390929"/>
+                  <a:ext cx="309111" cy="276999"/>
+                </a:xfrm>
+                <a:prstGeom prst="rect">
+                  <a:avLst/>
+                </a:prstGeom>
+                <a:noFill/>
+              </p:spPr>
+              <p:txBody>
+                <a:bodyPr wrap="square" rtlCol="0">
+                  <a:spAutoFit/>
+                </a:bodyPr>
+                <a:lstStyle/>
+                <a:p>
+                  <a:r>
+                    <a:rPr lang="en-US" sz="1200" dirty="0"/>
+                    <a:t>1</a:t>
+                  </a:r>
+                </a:p>
+              </p:txBody>
+            </p:sp>
+            <p:sp>
+              <p:nvSpPr>
+                <p:cNvPr id="56" name="TextBox 55">
+                  <a:extLst>
+                    <a:ext uri="{FF2B5EF4-FFF2-40B4-BE49-F238E27FC236}">
+                      <a16:creationId xmlns:a16="http://schemas.microsoft.com/office/drawing/2014/main" id="{0B0F62EF-6612-E906-4EC3-A229C989E899}"/>
+                    </a:ext>
+                  </a:extLst>
+                </p:cNvPr>
+                <p:cNvSpPr txBox="1"/>
+                <p:nvPr/>
+              </p:nvSpPr>
+              <p:spPr>
+                <a:xfrm>
+                  <a:off x="1535038" y="6390929"/>
+                  <a:ext cx="309111" cy="276999"/>
+                </a:xfrm>
+                <a:prstGeom prst="rect">
+                  <a:avLst/>
+                </a:prstGeom>
+                <a:noFill/>
+              </p:spPr>
+              <p:txBody>
+                <a:bodyPr wrap="square" rtlCol="0">
+                  <a:spAutoFit/>
+                </a:bodyPr>
+                <a:lstStyle/>
+                <a:p>
+                  <a:r>
+                    <a:rPr lang="en-US" sz="1200" dirty="0"/>
+                    <a:t>2</a:t>
+                  </a:r>
+                </a:p>
+              </p:txBody>
+            </p:sp>
+            <p:sp>
+              <p:nvSpPr>
+                <p:cNvPr id="57" name="TextBox 56">
+                  <a:extLst>
+                    <a:ext uri="{FF2B5EF4-FFF2-40B4-BE49-F238E27FC236}">
+                      <a16:creationId xmlns:a16="http://schemas.microsoft.com/office/drawing/2014/main" id="{A619FD19-3E90-FCD4-5AFA-126BDF01C48C}"/>
+                    </a:ext>
+                  </a:extLst>
+                </p:cNvPr>
+                <p:cNvSpPr txBox="1"/>
+                <p:nvPr/>
+              </p:nvSpPr>
+              <p:spPr>
+                <a:xfrm>
+                  <a:off x="1792490" y="6390929"/>
+                  <a:ext cx="309111" cy="276999"/>
+                </a:xfrm>
+                <a:prstGeom prst="rect">
+                  <a:avLst/>
+                </a:prstGeom>
+                <a:noFill/>
+              </p:spPr>
+              <p:txBody>
+                <a:bodyPr wrap="square" rtlCol="0">
+                  <a:spAutoFit/>
+                </a:bodyPr>
+                <a:lstStyle/>
+                <a:p>
+                  <a:r>
+                    <a:rPr lang="en-US" sz="1200" dirty="0"/>
+                    <a:t>3</a:t>
+                  </a:r>
+                </a:p>
+              </p:txBody>
+            </p:sp>
+            <p:sp>
+              <p:nvSpPr>
+                <p:cNvPr id="58" name="TextBox 57">
+                  <a:extLst>
+                    <a:ext uri="{FF2B5EF4-FFF2-40B4-BE49-F238E27FC236}">
+                      <a16:creationId xmlns:a16="http://schemas.microsoft.com/office/drawing/2014/main" id="{4EB13E69-3673-F0DB-5405-8FE7BD1A115D}"/>
+                    </a:ext>
+                  </a:extLst>
+                </p:cNvPr>
+                <p:cNvSpPr txBox="1"/>
+                <p:nvPr/>
+              </p:nvSpPr>
+              <p:spPr>
+                <a:xfrm>
+                  <a:off x="2025342" y="6390929"/>
+                  <a:ext cx="309111" cy="276999"/>
+                </a:xfrm>
+                <a:prstGeom prst="rect">
+                  <a:avLst/>
+                </a:prstGeom>
+                <a:noFill/>
+              </p:spPr>
+              <p:txBody>
+                <a:bodyPr wrap="square" rtlCol="0">
+                  <a:spAutoFit/>
+                </a:bodyPr>
+                <a:lstStyle/>
+                <a:p>
+                  <a:r>
+                    <a:rPr lang="en-US" sz="1200" dirty="0"/>
+                    <a:t>4</a:t>
+                  </a:r>
+                </a:p>
+              </p:txBody>
+            </p:sp>
+            <p:sp>
+              <p:nvSpPr>
+                <p:cNvPr id="59" name="TextBox 58">
+                  <a:extLst>
+                    <a:ext uri="{FF2B5EF4-FFF2-40B4-BE49-F238E27FC236}">
+                      <a16:creationId xmlns:a16="http://schemas.microsoft.com/office/drawing/2014/main" id="{BEE5E19C-E55B-1148-137F-C1D295CFD5F9}"/>
+                    </a:ext>
+                  </a:extLst>
+                </p:cNvPr>
+                <p:cNvSpPr txBox="1"/>
+                <p:nvPr/>
+              </p:nvSpPr>
+              <p:spPr>
+                <a:xfrm>
+                  <a:off x="2273915" y="6390929"/>
+                  <a:ext cx="309111" cy="276999"/>
+                </a:xfrm>
+                <a:prstGeom prst="rect">
+                  <a:avLst/>
+                </a:prstGeom>
+                <a:noFill/>
+              </p:spPr>
+              <p:txBody>
+                <a:bodyPr wrap="square" rtlCol="0">
+                  <a:spAutoFit/>
+                </a:bodyPr>
+                <a:lstStyle/>
+                <a:p>
+                  <a:r>
+                    <a:rPr lang="en-US" sz="1200" dirty="0"/>
+                    <a:t>5</a:t>
+                  </a:r>
+                </a:p>
+              </p:txBody>
+            </p:sp>
+            <p:sp>
+              <p:nvSpPr>
+                <p:cNvPr id="60" name="TextBox 59">
+                  <a:extLst>
+                    <a:ext uri="{FF2B5EF4-FFF2-40B4-BE49-F238E27FC236}">
+                      <a16:creationId xmlns:a16="http://schemas.microsoft.com/office/drawing/2014/main" id="{CC2BF1F1-A3CE-D391-B7D9-D4FA8FC72AF1}"/>
+                    </a:ext>
+                  </a:extLst>
+                </p:cNvPr>
+                <p:cNvSpPr txBox="1"/>
+                <p:nvPr/>
+              </p:nvSpPr>
+              <p:spPr>
+                <a:xfrm>
+                  <a:off x="2522488" y="6390929"/>
+                  <a:ext cx="309111" cy="276999"/>
+                </a:xfrm>
+                <a:prstGeom prst="rect">
+                  <a:avLst/>
+                </a:prstGeom>
+                <a:noFill/>
+              </p:spPr>
+              <p:txBody>
+                <a:bodyPr wrap="square" rtlCol="0">
+                  <a:spAutoFit/>
+                </a:bodyPr>
+                <a:lstStyle/>
+                <a:p>
+                  <a:r>
+                    <a:rPr lang="en-US" sz="1200" dirty="0"/>
+                    <a:t>6</a:t>
+                  </a:r>
+                </a:p>
+              </p:txBody>
+            </p:sp>
+            <p:sp>
+              <p:nvSpPr>
+                <p:cNvPr id="61" name="TextBox 60">
+                  <a:extLst>
+                    <a:ext uri="{FF2B5EF4-FFF2-40B4-BE49-F238E27FC236}">
+                      <a16:creationId xmlns:a16="http://schemas.microsoft.com/office/drawing/2014/main" id="{8339F547-18C7-F666-2C53-FF7569201CA2}"/>
+                    </a:ext>
+                  </a:extLst>
+                </p:cNvPr>
+                <p:cNvSpPr txBox="1"/>
+                <p:nvPr/>
+              </p:nvSpPr>
+              <p:spPr>
+                <a:xfrm>
+                  <a:off x="2780744" y="6390929"/>
+                  <a:ext cx="309111" cy="276999"/>
+                </a:xfrm>
+                <a:prstGeom prst="rect">
+                  <a:avLst/>
+                </a:prstGeom>
+                <a:noFill/>
+              </p:spPr>
+              <p:txBody>
+                <a:bodyPr wrap="square" rtlCol="0">
+                  <a:spAutoFit/>
+                </a:bodyPr>
+                <a:lstStyle/>
+                <a:p>
+                  <a:r>
+                    <a:rPr lang="en-US" sz="1200" dirty="0"/>
+                    <a:t>7</a:t>
+                  </a:r>
+                </a:p>
+              </p:txBody>
+            </p:sp>
+            <p:sp>
+              <p:nvSpPr>
+                <p:cNvPr id="62" name="TextBox 61">
+                  <a:extLst>
+                    <a:ext uri="{FF2B5EF4-FFF2-40B4-BE49-F238E27FC236}">
+                      <a16:creationId xmlns:a16="http://schemas.microsoft.com/office/drawing/2014/main" id="{08691619-74CA-718C-CB54-89582D3016F2}"/>
+                    </a:ext>
+                  </a:extLst>
+                </p:cNvPr>
+                <p:cNvSpPr txBox="1"/>
+                <p:nvPr/>
+              </p:nvSpPr>
+              <p:spPr>
+                <a:xfrm>
+                  <a:off x="3061618" y="6390929"/>
+                  <a:ext cx="309111" cy="276999"/>
+                </a:xfrm>
+                <a:prstGeom prst="rect">
+                  <a:avLst/>
+                </a:prstGeom>
+                <a:noFill/>
+              </p:spPr>
+              <p:txBody>
+                <a:bodyPr wrap="square" rtlCol="0">
+                  <a:spAutoFit/>
+                </a:bodyPr>
+                <a:lstStyle/>
+                <a:p>
+                  <a:r>
+                    <a:rPr lang="en-US" sz="1200" dirty="0"/>
+                    <a:t>8</a:t>
+                  </a:r>
+                </a:p>
+              </p:txBody>
+            </p:sp>
+          </p:grpSp>
+          <p:sp>
+            <p:nvSpPr>
+              <p:cNvPr id="64" name="TextBox 63">
+                <a:extLst>
+                  <a:ext uri="{FF2B5EF4-FFF2-40B4-BE49-F238E27FC236}">
+                    <a16:creationId xmlns:a16="http://schemas.microsoft.com/office/drawing/2014/main" id="{FD1905EB-C81C-8716-9A45-461F653DF470}"/>
+                  </a:ext>
+                </a:extLst>
+              </p:cNvPr>
+              <p:cNvSpPr txBox="1"/>
+              <p:nvPr/>
+            </p:nvSpPr>
+            <p:spPr>
+              <a:xfrm rot="16200000">
+                <a:off x="-848287" y="4819882"/>
+                <a:ext cx="2510876" cy="369332"/>
+              </a:xfrm>
+              <a:prstGeom prst="rect">
+                <a:avLst/>
+              </a:prstGeom>
+              <a:noFill/>
+            </p:spPr>
+            <p:txBody>
+              <a:bodyPr wrap="square" rtlCol="0">
+                <a:spAutoFit/>
+              </a:bodyPr>
+              <a:lstStyle/>
+              <a:p>
+                <a:pPr algn="ctr"/>
+                <a:r>
+                  <a:rPr lang="en-US" dirty="0"/>
+                  <a:t>height</a:t>
+                </a:r>
+              </a:p>
+            </p:txBody>
+          </p:sp>
+          <p:sp>
+            <p:nvSpPr>
+              <p:cNvPr id="65" name="TextBox 64">
+                <a:extLst>
+                  <a:ext uri="{FF2B5EF4-FFF2-40B4-BE49-F238E27FC236}">
+                    <a16:creationId xmlns:a16="http://schemas.microsoft.com/office/drawing/2014/main" id="{7F7F797E-D951-ED5C-DB13-4F4E9157873C}"/>
+                  </a:ext>
+                </a:extLst>
+              </p:cNvPr>
+              <p:cNvSpPr txBox="1"/>
+              <p:nvPr/>
+            </p:nvSpPr>
+            <p:spPr>
+              <a:xfrm>
+                <a:off x="990601" y="6567208"/>
+                <a:ext cx="2380128" cy="369332"/>
+              </a:xfrm>
+              <a:prstGeom prst="rect">
+                <a:avLst/>
+              </a:prstGeom>
+              <a:noFill/>
+            </p:spPr>
+            <p:txBody>
+              <a:bodyPr wrap="square" rtlCol="0">
+                <a:spAutoFit/>
+              </a:bodyPr>
+              <a:lstStyle/>
+              <a:p>
+                <a:pPr algn="ctr"/>
+                <a:r>
+                  <a:rPr lang="en-US" dirty="0"/>
+                  <a:t>Index (width)</a:t>
+                </a:r>
+              </a:p>
+            </p:txBody>
+          </p:sp>
+        </p:grpSp>
+        <p:cxnSp>
+          <p:nvCxnSpPr>
+            <p:cNvPr id="78" name="Straight Arrow Connector 77">
+              <a:extLst>
+                <a:ext uri="{FF2B5EF4-FFF2-40B4-BE49-F238E27FC236}">
+                  <a16:creationId xmlns:a16="http://schemas.microsoft.com/office/drawing/2014/main" id="{FF7B7A33-0B63-7B25-6AA5-71687E880999}"/>
+                </a:ext>
+              </a:extLst>
+            </p:cNvPr>
+            <p:cNvCxnSpPr>
+              <a:cxnSpLocks/>
+              <a:stCxn id="82" idx="2"/>
+            </p:cNvCxnSpPr>
+            <p:nvPr/>
+          </p:nvCxnSpPr>
+          <p:spPr>
+            <a:xfrm flipH="1">
+              <a:off x="2503128" y="3843598"/>
+              <a:ext cx="844559" cy="791788"/>
+            </a:xfrm>
+            <a:prstGeom prst="straightConnector1">
+              <a:avLst/>
+            </a:prstGeom>
+            <a:ln w="19050">
+              <a:solidFill>
+                <a:schemeClr val="tx1"/>
+              </a:solidFill>
+              <a:tailEnd type="triangle"/>
+            </a:ln>
+          </p:spPr>
+          <p:style>
+            <a:lnRef idx="1">
+              <a:schemeClr val="accent1"/>
+            </a:lnRef>
+            <a:fillRef idx="0">
+              <a:schemeClr val="accent1"/>
+            </a:fillRef>
+            <a:effectRef idx="0">
+              <a:schemeClr val="accent1"/>
+            </a:effectRef>
+            <a:fontRef idx="minor">
+              <a:schemeClr val="tx1"/>
+            </a:fontRef>
+          </p:style>
+        </p:cxnSp>
+        <p:sp>
+          <p:nvSpPr>
+            <p:cNvPr id="82" name="TextBox 81">
+              <a:extLst>
+                <a:ext uri="{FF2B5EF4-FFF2-40B4-BE49-F238E27FC236}">
+                  <a16:creationId xmlns:a16="http://schemas.microsoft.com/office/drawing/2014/main" id="{3979CA90-1803-5D41-1972-EF627EE37B2A}"/>
+                </a:ext>
+              </a:extLst>
+            </p:cNvPr>
+            <p:cNvSpPr txBox="1"/>
+            <p:nvPr/>
+          </p:nvSpPr>
+          <p:spPr>
+            <a:xfrm>
+              <a:off x="2032990" y="3474266"/>
+              <a:ext cx="2629394" cy="369332"/>
+            </a:xfrm>
+            <a:prstGeom prst="rect">
+              <a:avLst/>
+            </a:prstGeom>
+            <a:noFill/>
+          </p:spPr>
+          <p:txBody>
+            <a:bodyPr wrap="square" rtlCol="0">
+              <a:spAutoFit/>
+            </a:bodyPr>
+            <a:lstStyle/>
+            <a:p>
+              <a:pPr algn="ctr"/>
+              <a:r>
+                <a:rPr lang="en-US" dirty="0"/>
+                <a:t>Max area = 7*7 = 49</a:t>
+              </a:r>
+            </a:p>
+          </p:txBody>
+        </p:sp>
+      </p:grpSp>
+      <p:sp>
+        <p:nvSpPr>
+          <p:cNvPr id="92" name="TextBox 91">
+            <a:extLst>
+              <a:ext uri="{FF2B5EF4-FFF2-40B4-BE49-F238E27FC236}">
+                <a16:creationId xmlns:a16="http://schemas.microsoft.com/office/drawing/2014/main" id="{412EF7DC-2933-0B6F-537E-3996BB1001A7}"/>
+              </a:ext>
+            </a:extLst>
+          </p:cNvPr>
+          <p:cNvSpPr txBox="1"/>
+          <p:nvPr/>
+        </p:nvSpPr>
+        <p:spPr>
+          <a:xfrm>
+            <a:off x="529927" y="3677897"/>
+            <a:ext cx="2972543" cy="369332"/>
+          </a:xfrm>
+          <a:prstGeom prst="rect">
+            <a:avLst/>
+          </a:prstGeom>
+          <a:noFill/>
+        </p:spPr>
+        <p:txBody>
+          <a:bodyPr wrap="square" rtlCol="0">
+            <a:spAutoFit/>
+          </a:bodyPr>
+          <a:lstStyle/>
+          <a:p>
+            <a:r>
+              <a:rPr lang="en-US" dirty="0"/>
+              <a:t>Hint: Area =</a:t>
+            </a:r>
+            <a:r>
+              <a:rPr lang="th-TH" dirty="0"/>
+              <a:t> </a:t>
+            </a:r>
+            <a:r>
+              <a:rPr lang="en-US" dirty="0"/>
+              <a:t>height*width</a:t>
+            </a:r>
+          </a:p>
+        </p:txBody>
+      </p:sp>
+    </p:spTree>
+    <p:extLst>
+      <p:ext uri="{BB962C8B-B14F-4D97-AF65-F5344CB8AC3E}">
+        <p14:creationId xmlns:p14="http://schemas.microsoft.com/office/powerpoint/2010/main" val="723852288"/>
+      </p:ext>
+    </p:extLst>
+  </p:cSld>
+  <p:clrMapOvr>
+    <a:masterClrMapping/>
+  </p:clrMapOvr>
+</p:sld>
+</file>
+
 <file path=ppt/theme/theme1.xml><?xml version="1.0" encoding="utf-8"?>
 <a:theme xmlns:a="http://schemas.openxmlformats.org/drawingml/2006/main" name="Office Theme">
   <a:themeElements>
